--- a/Sesion_3/Sesion_3.pptx
+++ b/Sesion_3/Sesion_3.pptx
@@ -161,8 +161,7 @@
 <file path=ppt/revisionInfo.xml><?xml version="1.0" encoding="utf-8"?>
 <p1510:revInfo xmlns:a="http://schemas.openxmlformats.org/drawingml/2006/main" xmlns:r="http://schemas.openxmlformats.org/officeDocument/2006/relationships" xmlns:p1510="http://schemas.microsoft.com/office/powerpoint/2015/10/main">
   <p1510:revLst>
-    <p1510:client id="{EA65CCE7-4D40-401A-9838-3B0831D62C6E}" v="6" dt="2025-02-05T17:57:43.295"/>
-    <p1510:client id="{F69EE950-3628-46BE-B11E-4B71D6E99989}" v="1" dt="2025-02-06T17:37:50.428"/>
+    <p1510:client id="{F69EE950-3628-46BE-B11E-4B71D6E99989}" v="2" dt="2025-02-10T21:40:08.585"/>
   </p1510:revLst>
 </p1510:revInfo>
 </file>
@@ -307,22 +306,6 @@
           <pc:docMk/>
           <pc:sldMk cId="2419723712" sldId="288"/>
         </pc:sldMkLst>
-        <pc:spChg chg="mod">
-          <ac:chgData name="JHEYSON FABIAN VILLAVISAN BUITRAGO" userId="e5ced5c2-d787-455d-b115-4f08a699b8c8" providerId="ADAL" clId="{EA65CCE7-4D40-401A-9838-3B0831D62C6E}" dt="2025-02-05T18:24:21.515" v="804" actId="115"/>
-          <ac:spMkLst>
-            <pc:docMk/>
-            <pc:sldMk cId="2419723712" sldId="288"/>
-            <ac:spMk id="4" creationId="{8CB2B69D-7CD1-8E0B-CBBD-773BC09DA1FE}"/>
-          </ac:spMkLst>
-        </pc:spChg>
-        <pc:spChg chg="mod">
-          <ac:chgData name="JHEYSON FABIAN VILLAVISAN BUITRAGO" userId="e5ced5c2-d787-455d-b115-4f08a699b8c8" providerId="ADAL" clId="{EA65CCE7-4D40-401A-9838-3B0831D62C6E}" dt="2025-02-05T18:04:54.853" v="675" actId="20577"/>
-          <ac:spMkLst>
-            <pc:docMk/>
-            <pc:sldMk cId="2419723712" sldId="288"/>
-            <ac:spMk id="10" creationId="{1B67BFDA-4C46-9F73-2D4A-7479C0A18CD9}"/>
-          </ac:spMkLst>
-        </pc:spChg>
       </pc:sldChg>
     </pc:docChg>
   </pc:docChgLst>
@@ -730,7 +713,7 @@
   <pc:docChgLst>
     <pc:chgData name="JHEYSON FABIAN VILLAVISAN BUITRAGO" userId="e5ced5c2-d787-455d-b115-4f08a699b8c8" providerId="ADAL" clId="{F69EE950-3628-46BE-B11E-4B71D6E99989}"/>
     <pc:docChg chg="custSel addSld delSld modSld modSection">
-      <pc:chgData name="JHEYSON FABIAN VILLAVISAN BUITRAGO" userId="e5ced5c2-d787-455d-b115-4f08a699b8c8" providerId="ADAL" clId="{F69EE950-3628-46BE-B11E-4B71D6E99989}" dt="2025-02-06T17:37:50.427" v="962"/>
+      <pc:chgData name="JHEYSON FABIAN VILLAVISAN BUITRAGO" userId="e5ced5c2-d787-455d-b115-4f08a699b8c8" providerId="ADAL" clId="{F69EE950-3628-46BE-B11E-4B71D6E99989}" dt="2025-02-10T21:41:27.713" v="1130" actId="20577"/>
       <pc:docMkLst>
         <pc:docMk/>
       </pc:docMkLst>
@@ -757,13 +740,13 @@
         </pc:sldMkLst>
       </pc:sldChg>
       <pc:sldChg chg="modSp mod">
-        <pc:chgData name="JHEYSON FABIAN VILLAVISAN BUITRAGO" userId="e5ced5c2-d787-455d-b115-4f08a699b8c8" providerId="ADAL" clId="{F69EE950-3628-46BE-B11E-4B71D6E99989}" dt="2025-02-06T17:37:16.811" v="960" actId="20577"/>
+        <pc:chgData name="JHEYSON FABIAN VILLAVISAN BUITRAGO" userId="e5ced5c2-d787-455d-b115-4f08a699b8c8" providerId="ADAL" clId="{F69EE950-3628-46BE-B11E-4B71D6E99989}" dt="2025-02-10T21:41:27.713" v="1130" actId="20577"/>
         <pc:sldMkLst>
           <pc:docMk/>
           <pc:sldMk cId="4035662027" sldId="286"/>
         </pc:sldMkLst>
         <pc:spChg chg="mod">
-          <ac:chgData name="JHEYSON FABIAN VILLAVISAN BUITRAGO" userId="e5ced5c2-d787-455d-b115-4f08a699b8c8" providerId="ADAL" clId="{F69EE950-3628-46BE-B11E-4B71D6E99989}" dt="2025-02-06T17:37:16.811" v="960" actId="20577"/>
+          <ac:chgData name="JHEYSON FABIAN VILLAVISAN BUITRAGO" userId="e5ced5c2-d787-455d-b115-4f08a699b8c8" providerId="ADAL" clId="{F69EE950-3628-46BE-B11E-4B71D6E99989}" dt="2025-02-10T21:41:27.713" v="1130" actId="20577"/>
           <ac:spMkLst>
             <pc:docMk/>
             <pc:sldMk cId="4035662027" sldId="286"/>
@@ -784,14 +767,6 @@
           <pc:docMk/>
           <pc:sldMk cId="2419723712" sldId="288"/>
         </pc:sldMkLst>
-        <pc:spChg chg="mod">
-          <ac:chgData name="JHEYSON FABIAN VILLAVISAN BUITRAGO" userId="e5ced5c2-d787-455d-b115-4f08a699b8c8" providerId="ADAL" clId="{F69EE950-3628-46BE-B11E-4B71D6E99989}" dt="2025-02-06T12:10:32.290" v="41" actId="6549"/>
-          <ac:spMkLst>
-            <pc:docMk/>
-            <pc:sldMk cId="2419723712" sldId="288"/>
-            <ac:spMk id="4" creationId="{8CB2B69D-7CD1-8E0B-CBBD-773BC09DA1FE}"/>
-          </ac:spMkLst>
-        </pc:spChg>
       </pc:sldChg>
     </pc:docChg>
   </pc:docChgLst>
@@ -1096,7 +1071,7 @@
               <a:pPr>
                 <a:defRPr/>
               </a:pPr>
-              <a:t>6/02/2025</a:t>
+              <a:t>10/02/2025</a:t>
             </a:fld>
             <a:endParaRPr lang="es-CO"/>
           </a:p>
@@ -1339,7 +1314,7 @@
               <a:pPr>
                 <a:defRPr/>
               </a:pPr>
-              <a:t>6/02/2025</a:t>
+              <a:t>10/02/2025</a:t>
             </a:fld>
             <a:endParaRPr lang="es-CO"/>
           </a:p>
@@ -2415,7 +2390,7 @@
           <a:p>
             <a:fld id="{9CF7635E-2D71-42E7-9E6C-FBB85A15A85F}" type="datetimeFigureOut">
               <a:rPr lang="es-CO" smtClean="0"/>
-              <a:t>6/02/2025</a:t>
+              <a:t>10/02/2025</a:t>
             </a:fld>
             <a:endParaRPr lang="es-CO"/>
           </a:p>
@@ -2681,7 +2656,7 @@
           <a:p>
             <a:fld id="{9CF7635E-2D71-42E7-9E6C-FBB85A15A85F}" type="datetimeFigureOut">
               <a:rPr lang="es-CO" smtClean="0"/>
-              <a:t>6/02/2025</a:t>
+              <a:t>10/02/2025</a:t>
             </a:fld>
             <a:endParaRPr lang="es-CO"/>
           </a:p>
@@ -2897,7 +2872,7 @@
           <a:p>
             <a:fld id="{9CF7635E-2D71-42E7-9E6C-FBB85A15A85F}" type="datetimeFigureOut">
               <a:rPr lang="es-CO" smtClean="0"/>
-              <a:t>6/02/2025</a:t>
+              <a:t>10/02/2025</a:t>
             </a:fld>
             <a:endParaRPr lang="es-CO"/>
           </a:p>
@@ -4526,7 +4501,7 @@
           <a:p>
             <a:fld id="{9CF7635E-2D71-42E7-9E6C-FBB85A15A85F}" type="datetimeFigureOut">
               <a:rPr lang="es-CO" smtClean="0"/>
-              <a:t>6/02/2025</a:t>
+              <a:t>10/02/2025</a:t>
             </a:fld>
             <a:endParaRPr lang="es-CO"/>
           </a:p>
@@ -4973,7 +4948,7 @@
           <a:p>
             <a:fld id="{9CF7635E-2D71-42E7-9E6C-FBB85A15A85F}" type="datetimeFigureOut">
               <a:rPr lang="es-CO" smtClean="0"/>
-              <a:t>6/02/2025</a:t>
+              <a:t>10/02/2025</a:t>
             </a:fld>
             <a:endParaRPr lang="es-CO"/>
           </a:p>
@@ -5247,7 +5222,7 @@
           <a:p>
             <a:fld id="{9CF7635E-2D71-42E7-9E6C-FBB85A15A85F}" type="datetimeFigureOut">
               <a:rPr lang="es-CO" smtClean="0"/>
-              <a:t>6/02/2025</a:t>
+              <a:t>10/02/2025</a:t>
             </a:fld>
             <a:endParaRPr lang="es-CO"/>
           </a:p>
@@ -5668,7 +5643,7 @@
           <a:p>
             <a:fld id="{9CF7635E-2D71-42E7-9E6C-FBB85A15A85F}" type="datetimeFigureOut">
               <a:rPr lang="es-CO" smtClean="0"/>
-              <a:t>6/02/2025</a:t>
+              <a:t>10/02/2025</a:t>
             </a:fld>
             <a:endParaRPr lang="es-CO"/>
           </a:p>
@@ -5816,7 +5791,7 @@
           <a:p>
             <a:fld id="{9CF7635E-2D71-42E7-9E6C-FBB85A15A85F}" type="datetimeFigureOut">
               <a:rPr lang="es-CO" smtClean="0"/>
-              <a:t>6/02/2025</a:t>
+              <a:t>10/02/2025</a:t>
             </a:fld>
             <a:endParaRPr lang="es-CO"/>
           </a:p>
@@ -5935,7 +5910,7 @@
           <a:p>
             <a:fld id="{9CF7635E-2D71-42E7-9E6C-FBB85A15A85F}" type="datetimeFigureOut">
               <a:rPr lang="es-CO" smtClean="0"/>
-              <a:t>6/02/2025</a:t>
+              <a:t>10/02/2025</a:t>
             </a:fld>
             <a:endParaRPr lang="es-CO"/>
           </a:p>
@@ -6254,7 +6229,7 @@
           <a:p>
             <a:fld id="{9CF7635E-2D71-42E7-9E6C-FBB85A15A85F}" type="datetimeFigureOut">
               <a:rPr lang="es-CO" smtClean="0"/>
-              <a:t>6/02/2025</a:t>
+              <a:t>10/02/2025</a:t>
             </a:fld>
             <a:endParaRPr lang="es-CO"/>
           </a:p>
@@ -6549,7 +6524,7 @@
           <a:p>
             <a:fld id="{9CF7635E-2D71-42E7-9E6C-FBB85A15A85F}" type="datetimeFigureOut">
               <a:rPr lang="es-CO" smtClean="0"/>
-              <a:t>6/02/2025</a:t>
+              <a:t>10/02/2025</a:t>
             </a:fld>
             <a:endParaRPr lang="es-CO"/>
           </a:p>
@@ -6798,7 +6773,7 @@
           <a:p>
             <a:fld id="{9CF7635E-2D71-42E7-9E6C-FBB85A15A85F}" type="datetimeFigureOut">
               <a:rPr lang="es-CO" smtClean="0"/>
-              <a:t>6/02/2025</a:t>
+              <a:t>10/02/2025</a:t>
             </a:fld>
             <a:endParaRPr lang="es-CO"/>
           </a:p>
@@ -12786,14 +12761,11 @@
               </a:spcAft>
             </a:pPr>
             <a:r>
-              <a:rPr lang="en-US" sz="3200" b="1" i="0" dirty="0" err="1">
+              <a:rPr lang="en-US" sz="3200" b="1" i="0" dirty="0">
                 <a:effectLst/>
               </a:rPr>
               <a:t>Actividad</a:t>
             </a:r>
-            <a:endParaRPr lang="en-US" sz="3200" b="1" i="0" dirty="0">
-              <a:effectLst/>
-            </a:endParaRPr>
           </a:p>
         </p:txBody>
       </p:sp>
@@ -12887,7 +12859,7 @@
               <a:rPr lang="es-CO" sz="1800" b="1" dirty="0">
                 <a:latin typeface="+mj-lt"/>
               </a:rPr>
-              <a:t>El registro actual debe ser almacenado en memoria. </a:t>
+              <a:t>El registro actual debe ser almacenado en memoria. (Si se apaga el sistema es el respaldo).</a:t>
             </a:r>
             <a:endParaRPr lang="es-CO" sz="1800" b="1" noProof="0" dirty="0">
               <a:latin typeface="+mj-lt"/>
@@ -14304,6 +14276,23 @@
 </file>
 
 <file path=customXml/item1.xml><?xml version="1.0" encoding="utf-8"?>
+<p:properties xmlns:p="http://schemas.microsoft.com/office/2006/metadata/properties" xmlns:xsi="http://www.w3.org/2001/XMLSchema-instance" xmlns:pc="http://schemas.microsoft.com/office/infopath/2007/PartnerControls">
+  <documentManagement>
+    <_activity xmlns="bdc56f61-abc0-4f7e-bfec-a93ccd1ae886" xsi:nil="true"/>
+  </documentManagement>
+</p:properties>
+</file>
+
+<file path=customXml/item2.xml><?xml version="1.0" encoding="utf-8"?>
+<?mso-contentType ?>
+<FormTemplates xmlns="http://schemas.microsoft.com/sharepoint/v3/contenttype/forms">
+  <Display>DocumentLibraryForm</Display>
+  <Edit>DocumentLibraryForm</Edit>
+  <New>DocumentLibraryForm</New>
+</FormTemplates>
+</file>
+
+<file path=customXml/item3.xml><?xml version="1.0" encoding="utf-8"?>
 <ct:contentTypeSchema xmlns:ct="http://schemas.microsoft.com/office/2006/metadata/contentType" xmlns:ma="http://schemas.microsoft.com/office/2006/metadata/properties/metaAttributes" ct:_="" ma:_="" ma:contentTypeName="Documento" ma:contentTypeID="0x0101007A62137D465CE64A8C883A4664514BF8" ma:contentTypeVersion="15" ma:contentTypeDescription="Crear nuevo documento." ma:contentTypeScope="" ma:versionID="a1bd1d59f691eb9bca6952b111268275">
   <xsd:schema xmlns:xsd="http://www.w3.org/2001/XMLSchema" xmlns:xs="http://www.w3.org/2001/XMLSchema" xmlns:p="http://schemas.microsoft.com/office/2006/metadata/properties" xmlns:ns3="669280c1-d17e-4d1d-bd7f-b4f14cc6bf1d" xmlns:ns4="bdc56f61-abc0-4f7e-bfec-a93ccd1ae886" targetNamespace="http://schemas.microsoft.com/office/2006/metadata/properties" ma:root="true" ma:fieldsID="d02990a02f19f0f9fc7b999b1809cae4" ns3:_="" ns4:_="">
     <xsd:import namespace="669280c1-d17e-4d1d-bd7f-b4f14cc6bf1d"/>
@@ -14538,24 +14527,32 @@
 </ct:contentTypeSchema>
 </file>
 
-<file path=customXml/item2.xml><?xml version="1.0" encoding="utf-8"?>
-<?mso-contentType ?>
-<FormTemplates xmlns="http://schemas.microsoft.com/sharepoint/v3/contenttype/forms">
-  <Display>DocumentLibraryForm</Display>
-  <Edit>DocumentLibraryForm</Edit>
-  <New>DocumentLibraryForm</New>
-</FormTemplates>
+<file path=customXml/itemProps1.xml><?xml version="1.0" encoding="utf-8"?>
+<ds:datastoreItem xmlns:ds="http://schemas.openxmlformats.org/officeDocument/2006/customXml" ds:itemID="{0825853C-1B27-4995-A583-4D39F900BB7F}">
+  <ds:schemaRefs>
+    <ds:schemaRef ds:uri="http://schemas.microsoft.com/office/2006/documentManagement/types"/>
+    <ds:schemaRef ds:uri="http://purl.org/dc/dcmitype/"/>
+    <ds:schemaRef ds:uri="http://schemas.openxmlformats.org/package/2006/metadata/core-properties"/>
+    <ds:schemaRef ds:uri="669280c1-d17e-4d1d-bd7f-b4f14cc6bf1d"/>
+    <ds:schemaRef ds:uri="http://purl.org/dc/elements/1.1/"/>
+    <ds:schemaRef ds:uri="http://purl.org/dc/terms/"/>
+    <ds:schemaRef ds:uri="http://schemas.microsoft.com/office/infopath/2007/PartnerControls"/>
+    <ds:schemaRef ds:uri="bdc56f61-abc0-4f7e-bfec-a93ccd1ae886"/>
+    <ds:schemaRef ds:uri="http://schemas.microsoft.com/office/2006/metadata/properties"/>
+    <ds:schemaRef ds:uri="http://www.w3.org/XML/1998/namespace"/>
+  </ds:schemaRefs>
+</ds:datastoreItem>
 </file>
 
-<file path=customXml/item3.xml><?xml version="1.0" encoding="utf-8"?>
-<p:properties xmlns:p="http://schemas.microsoft.com/office/2006/metadata/properties" xmlns:xsi="http://www.w3.org/2001/XMLSchema-instance" xmlns:pc="http://schemas.microsoft.com/office/infopath/2007/PartnerControls">
-  <documentManagement>
-    <_activity xmlns="bdc56f61-abc0-4f7e-bfec-a93ccd1ae886" xsi:nil="true"/>
-  </documentManagement>
-</p:properties>
+<file path=customXml/itemProps2.xml><?xml version="1.0" encoding="utf-8"?>
+<ds:datastoreItem xmlns:ds="http://schemas.openxmlformats.org/officeDocument/2006/customXml" ds:itemID="{4E8623C8-32E1-48B0-9F0A-13F2E9582B7E}">
+  <ds:schemaRefs>
+    <ds:schemaRef ds:uri="http://schemas.microsoft.com/sharepoint/v3/contenttype/forms"/>
+  </ds:schemaRefs>
+</ds:datastoreItem>
 </file>
 
-<file path=customXml/itemProps1.xml><?xml version="1.0" encoding="utf-8"?>
+<file path=customXml/itemProps3.xml><?xml version="1.0" encoding="utf-8"?>
 <ds:datastoreItem xmlns:ds="http://schemas.openxmlformats.org/officeDocument/2006/customXml" ds:itemID="{025820C3-FD82-4EFC-BF14-EAF1F9613F52}">
   <ds:schemaRefs>
     <ds:schemaRef ds:uri="http://schemas.microsoft.com/office/2006/metadata/contentType"/>
@@ -14572,29 +14569,4 @@
     <ds:schemaRef ds:uri="http://schemas.microsoft.com/internal/obd"/>
   </ds:schemaRefs>
 </ds:datastoreItem>
-</file>
-
-<file path=customXml/itemProps2.xml><?xml version="1.0" encoding="utf-8"?>
-<ds:datastoreItem xmlns:ds="http://schemas.openxmlformats.org/officeDocument/2006/customXml" ds:itemID="{4E8623C8-32E1-48B0-9F0A-13F2E9582B7E}">
-  <ds:schemaRefs>
-    <ds:schemaRef ds:uri="http://schemas.microsoft.com/sharepoint/v3/contenttype/forms"/>
-  </ds:schemaRefs>
-</ds:datastoreItem>
-</file>
-
-<file path=customXml/itemProps3.xml><?xml version="1.0" encoding="utf-8"?>
-<ds:datastoreItem xmlns:ds="http://schemas.openxmlformats.org/officeDocument/2006/customXml" ds:itemID="{0825853C-1B27-4995-A583-4D39F900BB7F}">
-  <ds:schemaRefs>
-    <ds:schemaRef ds:uri="http://schemas.microsoft.com/office/2006/documentManagement/types"/>
-    <ds:schemaRef ds:uri="http://purl.org/dc/dcmitype/"/>
-    <ds:schemaRef ds:uri="http://schemas.openxmlformats.org/package/2006/metadata/core-properties"/>
-    <ds:schemaRef ds:uri="669280c1-d17e-4d1d-bd7f-b4f14cc6bf1d"/>
-    <ds:schemaRef ds:uri="http://purl.org/dc/elements/1.1/"/>
-    <ds:schemaRef ds:uri="http://purl.org/dc/terms/"/>
-    <ds:schemaRef ds:uri="http://schemas.microsoft.com/office/infopath/2007/PartnerControls"/>
-    <ds:schemaRef ds:uri="bdc56f61-abc0-4f7e-bfec-a93ccd1ae886"/>
-    <ds:schemaRef ds:uri="http://schemas.microsoft.com/office/2006/metadata/properties"/>
-    <ds:schemaRef ds:uri="http://www.w3.org/XML/1998/namespace"/>
-  </ds:schemaRefs>
-</ds:datastoreItem>
 </file>
--- a/Sesion_3/Sesion_3.pptx
+++ b/Sesion_3/Sesion_3.pptx
@@ -5,16 +5,17 @@
     <p:sldMasterId id="2147483778" r:id="rId4"/>
   </p:sldMasterIdLst>
   <p:notesMasterIdLst>
-    <p:notesMasterId r:id="rId9"/>
+    <p:notesMasterId r:id="rId10"/>
   </p:notesMasterIdLst>
   <p:handoutMasterIdLst>
-    <p:handoutMasterId r:id="rId10"/>
+    <p:handoutMasterId r:id="rId11"/>
   </p:handoutMasterIdLst>
   <p:sldIdLst>
     <p:sldId id="256" r:id="rId5"/>
     <p:sldId id="280" r:id="rId6"/>
     <p:sldId id="274" r:id="rId7"/>
-    <p:sldId id="286" r:id="rId8"/>
+    <p:sldId id="287" r:id="rId8"/>
+    <p:sldId id="286" r:id="rId9"/>
   </p:sldIdLst>
   <p:sldSz cx="9144000" cy="6858000" type="letter"/>
   <p:notesSz cx="6858000" cy="9144000"/>
@@ -121,6 +122,7 @@
             <p14:sldId id="256"/>
             <p14:sldId id="280"/>
             <p14:sldId id="274"/>
+            <p14:sldId id="287"/>
             <p14:sldId id="286"/>
           </p14:sldIdLst>
         </p14:section>
@@ -161,154 +163,13 @@
 <file path=ppt/revisionInfo.xml><?xml version="1.0" encoding="utf-8"?>
 <p1510:revInfo xmlns:a="http://schemas.openxmlformats.org/drawingml/2006/main" xmlns:r="http://schemas.openxmlformats.org/officeDocument/2006/relationships" xmlns:p1510="http://schemas.microsoft.com/office/powerpoint/2015/10/main">
   <p1510:revLst>
-    <p1510:client id="{F69EE950-3628-46BE-B11E-4B71D6E99989}" v="2" dt="2025-02-10T21:40:08.585"/>
+    <p1510:client id="{51B0F79C-F78A-4995-8170-0FDE3358A7F6}" v="2" dt="2025-03-25T15:25:43.337"/>
   </p1510:revLst>
 </p1510:revInfo>
 </file>
 
 <file path=ppt/changesInfos/changesInfo1.xml><?xml version="1.0" encoding="utf-8"?>
 <pc:chgInfo xmlns:a="http://schemas.openxmlformats.org/drawingml/2006/main" xmlns:r="http://schemas.openxmlformats.org/officeDocument/2006/relationships" xmlns:ac="http://schemas.microsoft.com/office/drawing/2013/main/command" xmlns:pc="http://schemas.microsoft.com/office/powerpoint/2013/main/command">
-  <pc:docChgLst>
-    <pc:chgData name="JHEYSON FABIAN VILLAVISAN BUITRAGO" userId="e5ced5c2-d787-455d-b115-4f08a699b8c8" providerId="ADAL" clId="{B7B46A87-332C-4E6B-A17F-43C7BE9901B3}"/>
-    <pc:docChg chg="undo custSel addSld delSld modSld modSection">
-      <pc:chgData name="JHEYSON FABIAN VILLAVISAN BUITRAGO" userId="e5ced5c2-d787-455d-b115-4f08a699b8c8" providerId="ADAL" clId="{B7B46A87-332C-4E6B-A17F-43C7BE9901B3}" dt="2024-02-04T21:18:12.134" v="356" actId="1076"/>
-      <pc:docMkLst>
-        <pc:docMk/>
-      </pc:docMkLst>
-      <pc:sldChg chg="addSp modSp mod">
-        <pc:chgData name="JHEYSON FABIAN VILLAVISAN BUITRAGO" userId="e5ced5c2-d787-455d-b115-4f08a699b8c8" providerId="ADAL" clId="{B7B46A87-332C-4E6B-A17F-43C7BE9901B3}" dt="2024-02-04T21:01:44.205" v="337" actId="20577"/>
-        <pc:sldMkLst>
-          <pc:docMk/>
-          <pc:sldMk cId="0" sldId="261"/>
-        </pc:sldMkLst>
-      </pc:sldChg>
-      <pc:sldChg chg="del">
-        <pc:chgData name="JHEYSON FABIAN VILLAVISAN BUITRAGO" userId="e5ced5c2-d787-455d-b115-4f08a699b8c8" providerId="ADAL" clId="{B7B46A87-332C-4E6B-A17F-43C7BE9901B3}" dt="2024-02-04T20:55:17.123" v="234" actId="47"/>
-        <pc:sldMkLst>
-          <pc:docMk/>
-          <pc:sldMk cId="2505371292" sldId="270"/>
-        </pc:sldMkLst>
-      </pc:sldChg>
-      <pc:sldChg chg="addSp delSp modSp mod">
-        <pc:chgData name="JHEYSON FABIAN VILLAVISAN BUITRAGO" userId="e5ced5c2-d787-455d-b115-4f08a699b8c8" providerId="ADAL" clId="{B7B46A87-332C-4E6B-A17F-43C7BE9901B3}" dt="2024-02-04T21:18:12.134" v="356" actId="1076"/>
-        <pc:sldMkLst>
-          <pc:docMk/>
-          <pc:sldMk cId="3765501484" sldId="279"/>
-        </pc:sldMkLst>
-      </pc:sldChg>
-      <pc:sldChg chg="addSp delSp modSp add mod">
-        <pc:chgData name="JHEYSON FABIAN VILLAVISAN BUITRAGO" userId="e5ced5c2-d787-455d-b115-4f08a699b8c8" providerId="ADAL" clId="{B7B46A87-332C-4E6B-A17F-43C7BE9901B3}" dt="2024-02-04T21:13:02.241" v="347"/>
-        <pc:sldMkLst>
-          <pc:docMk/>
-          <pc:sldMk cId="2965408220" sldId="280"/>
-        </pc:sldMkLst>
-      </pc:sldChg>
-    </pc:docChg>
-  </pc:docChgLst>
-  <pc:docChgLst>
-    <pc:chgData name="JHEYSON FABIAN VILLAVISAN BUITRAGO" userId="e5ced5c2-d787-455d-b115-4f08a699b8c8" providerId="ADAL" clId="{EA65CCE7-4D40-401A-9838-3B0831D62C6E}"/>
-    <pc:docChg chg="undo custSel addSld delSld modSld modSection">
-      <pc:chgData name="JHEYSON FABIAN VILLAVISAN BUITRAGO" userId="e5ced5c2-d787-455d-b115-4f08a699b8c8" providerId="ADAL" clId="{EA65CCE7-4D40-401A-9838-3B0831D62C6E}" dt="2025-02-05T18:24:21.515" v="804" actId="115"/>
-      <pc:docMkLst>
-        <pc:docMk/>
-      </pc:docMkLst>
-      <pc:sldChg chg="modSp del">
-        <pc:chgData name="JHEYSON FABIAN VILLAVISAN BUITRAGO" userId="e5ced5c2-d787-455d-b115-4f08a699b8c8" providerId="ADAL" clId="{EA65CCE7-4D40-401A-9838-3B0831D62C6E}" dt="2025-02-05T17:55:09.885" v="331" actId="47"/>
-        <pc:sldMkLst>
-          <pc:docMk/>
-          <pc:sldMk cId="2965408220" sldId="280"/>
-        </pc:sldMkLst>
-        <pc:graphicFrameChg chg="mod">
-          <ac:chgData name="JHEYSON FABIAN VILLAVISAN BUITRAGO" userId="e5ced5c2-d787-455d-b115-4f08a699b8c8" providerId="ADAL" clId="{EA65CCE7-4D40-401A-9838-3B0831D62C6E}" dt="2025-02-05T17:53:37.689" v="329"/>
-          <ac:graphicFrameMkLst>
-            <pc:docMk/>
-            <pc:sldMk cId="2965408220" sldId="280"/>
-            <ac:graphicFrameMk id="6" creationId="{D45444DB-DE93-829B-F32A-C3FB962F868B}"/>
-          </ac:graphicFrameMkLst>
-        </pc:graphicFrameChg>
-      </pc:sldChg>
-      <pc:sldChg chg="del">
-        <pc:chgData name="JHEYSON FABIAN VILLAVISAN BUITRAGO" userId="e5ced5c2-d787-455d-b115-4f08a699b8c8" providerId="ADAL" clId="{EA65CCE7-4D40-401A-9838-3B0831D62C6E}" dt="2025-02-05T15:22:22.226" v="89" actId="47"/>
-        <pc:sldMkLst>
-          <pc:docMk/>
-          <pc:sldMk cId="2753606348" sldId="281"/>
-        </pc:sldMkLst>
-      </pc:sldChg>
-      <pc:sldChg chg="del">
-        <pc:chgData name="JHEYSON FABIAN VILLAVISAN BUITRAGO" userId="e5ced5c2-d787-455d-b115-4f08a699b8c8" providerId="ADAL" clId="{EA65CCE7-4D40-401A-9838-3B0831D62C6E}" dt="2025-02-05T15:22:23.400" v="90" actId="47"/>
-        <pc:sldMkLst>
-          <pc:docMk/>
-          <pc:sldMk cId="949277400" sldId="282"/>
-        </pc:sldMkLst>
-      </pc:sldChg>
-      <pc:sldChg chg="del">
-        <pc:chgData name="JHEYSON FABIAN VILLAVISAN BUITRAGO" userId="e5ced5c2-d787-455d-b115-4f08a699b8c8" providerId="ADAL" clId="{EA65CCE7-4D40-401A-9838-3B0831D62C6E}" dt="2025-02-05T15:22:24.141" v="91" actId="47"/>
-        <pc:sldMkLst>
-          <pc:docMk/>
-          <pc:sldMk cId="989802654" sldId="283"/>
-        </pc:sldMkLst>
-      </pc:sldChg>
-      <pc:sldChg chg="del">
-        <pc:chgData name="JHEYSON FABIAN VILLAVISAN BUITRAGO" userId="e5ced5c2-d787-455d-b115-4f08a699b8c8" providerId="ADAL" clId="{EA65CCE7-4D40-401A-9838-3B0831D62C6E}" dt="2025-02-05T15:22:24.912" v="92" actId="47"/>
-        <pc:sldMkLst>
-          <pc:docMk/>
-          <pc:sldMk cId="221020506" sldId="284"/>
-        </pc:sldMkLst>
-      </pc:sldChg>
-      <pc:sldChg chg="del">
-        <pc:chgData name="JHEYSON FABIAN VILLAVISAN BUITRAGO" userId="e5ced5c2-d787-455d-b115-4f08a699b8c8" providerId="ADAL" clId="{EA65CCE7-4D40-401A-9838-3B0831D62C6E}" dt="2025-02-05T15:22:19.620" v="88" actId="47"/>
-        <pc:sldMkLst>
-          <pc:docMk/>
-          <pc:sldMk cId="943304343" sldId="285"/>
-        </pc:sldMkLst>
-      </pc:sldChg>
-      <pc:sldChg chg="modSp add mod">
-        <pc:chgData name="JHEYSON FABIAN VILLAVISAN BUITRAGO" userId="e5ced5c2-d787-455d-b115-4f08a699b8c8" providerId="ADAL" clId="{EA65CCE7-4D40-401A-9838-3B0831D62C6E}" dt="2025-02-05T17:52:44.814" v="326" actId="20577"/>
-        <pc:sldMkLst>
-          <pc:docMk/>
-          <pc:sldMk cId="4035662027" sldId="286"/>
-        </pc:sldMkLst>
-        <pc:spChg chg="mod">
-          <ac:chgData name="JHEYSON FABIAN VILLAVISAN BUITRAGO" userId="e5ced5c2-d787-455d-b115-4f08a699b8c8" providerId="ADAL" clId="{EA65CCE7-4D40-401A-9838-3B0831D62C6E}" dt="2025-02-05T15:21:12.768" v="9" actId="20577"/>
-          <ac:spMkLst>
-            <pc:docMk/>
-            <pc:sldMk cId="4035662027" sldId="286"/>
-            <ac:spMk id="2" creationId="{D56DAEEF-8284-6112-BD0A-EDC7DFEA223F}"/>
-          </ac:spMkLst>
-        </pc:spChg>
-        <pc:spChg chg="mod">
-          <ac:chgData name="JHEYSON FABIAN VILLAVISAN BUITRAGO" userId="e5ced5c2-d787-455d-b115-4f08a699b8c8" providerId="ADAL" clId="{EA65CCE7-4D40-401A-9838-3B0831D62C6E}" dt="2025-02-05T17:52:44.814" v="326" actId="20577"/>
-          <ac:spMkLst>
-            <pc:docMk/>
-            <pc:sldMk cId="4035662027" sldId="286"/>
-            <ac:spMk id="4" creationId="{8A0CF200-2A59-F009-B9B5-2579EA98BD8F}"/>
-          </ac:spMkLst>
-        </pc:spChg>
-        <pc:spChg chg="mod">
-          <ac:chgData name="JHEYSON FABIAN VILLAVISAN BUITRAGO" userId="e5ced5c2-d787-455d-b115-4f08a699b8c8" providerId="ADAL" clId="{EA65CCE7-4D40-401A-9838-3B0831D62C6E}" dt="2025-02-05T15:32:06.069" v="312" actId="20577"/>
-          <ac:spMkLst>
-            <pc:docMk/>
-            <pc:sldMk cId="4035662027" sldId="286"/>
-            <ac:spMk id="10" creationId="{F963AE1B-BA6C-6901-0CBF-73BCCDFF8622}"/>
-          </ac:spMkLst>
-        </pc:spChg>
-      </pc:sldChg>
-      <pc:sldChg chg="add">
-        <pc:chgData name="JHEYSON FABIAN VILLAVISAN BUITRAGO" userId="e5ced5c2-d787-455d-b115-4f08a699b8c8" providerId="ADAL" clId="{EA65CCE7-4D40-401A-9838-3B0831D62C6E}" dt="2025-02-05T17:55:08.181" v="330"/>
-        <pc:sldMkLst>
-          <pc:docMk/>
-          <pc:sldMk cId="2038510038" sldId="287"/>
-        </pc:sldMkLst>
-      </pc:sldChg>
-      <pc:sldChg chg="modSp add mod">
-        <pc:chgData name="JHEYSON FABIAN VILLAVISAN BUITRAGO" userId="e5ced5c2-d787-455d-b115-4f08a699b8c8" providerId="ADAL" clId="{EA65CCE7-4D40-401A-9838-3B0831D62C6E}" dt="2025-02-05T18:24:21.515" v="804" actId="115"/>
-        <pc:sldMkLst>
-          <pc:docMk/>
-          <pc:sldMk cId="2419723712" sldId="288"/>
-        </pc:sldMkLst>
-      </pc:sldChg>
-    </pc:docChg>
-  </pc:docChgLst>
   <pc:docChgLst>
     <pc:chgData name="JHEYSON FABIAN VILLAVISAN BUITRAGO" userId="e5ced5c2-d787-455d-b115-4f08a699b8c8" providerId="ADAL" clId="{F051727E-E815-4CBA-87EC-595602D579B3}"/>
     <pc:docChg chg="custSel modSld">
@@ -363,117 +224,191 @@
     </pc:docChg>
   </pc:docChgLst>
   <pc:docChgLst>
-    <pc:chgData name="JHEYSON FABIAN VILLAVISAN BUITRAGO" userId="e5ced5c2-d787-455d-b115-4f08a699b8c8" providerId="ADAL" clId="{3C960EF9-9F90-4C06-ADB8-88ED32B978A2}"/>
-    <pc:docChg chg="undo custSel addSld delSld modSld sldOrd modSection">
-      <pc:chgData name="JHEYSON FABIAN VILLAVISAN BUITRAGO" userId="e5ced5c2-d787-455d-b115-4f08a699b8c8" providerId="ADAL" clId="{3C960EF9-9F90-4C06-ADB8-88ED32B978A2}" dt="2025-02-04T15:59:24.826" v="1061" actId="113"/>
+    <pc:chgData name="JHEYSON FABIAN VILLAVISAN BUITRAGO" userId="e5ced5c2-d787-455d-b115-4f08a699b8c8" providerId="ADAL" clId="{29AE3C56-95F7-4B8B-A3E1-184D660B9D00}"/>
+    <pc:docChg chg="undo redo custSel addSld modSld">
+      <pc:chgData name="JHEYSON FABIAN VILLAVISAN BUITRAGO" userId="e5ced5c2-d787-455d-b115-4f08a699b8c8" providerId="ADAL" clId="{29AE3C56-95F7-4B8B-A3E1-184D660B9D00}" dt="2025-02-04T14:46:47.942" v="1030" actId="20577"/>
       <pc:docMkLst>
         <pc:docMk/>
       </pc:docMkLst>
+      <pc:sldChg chg="modSp mod">
+        <pc:chgData name="JHEYSON FABIAN VILLAVISAN BUITRAGO" userId="e5ced5c2-d787-455d-b115-4f08a699b8c8" providerId="ADAL" clId="{29AE3C56-95F7-4B8B-A3E1-184D660B9D00}" dt="2025-02-04T13:39:48.827" v="18" actId="20577"/>
+        <pc:sldMkLst>
+          <pc:docMk/>
+          <pc:sldMk cId="0" sldId="256"/>
+        </pc:sldMkLst>
+        <pc:spChg chg="mod">
+          <ac:chgData name="JHEYSON FABIAN VILLAVISAN BUITRAGO" userId="e5ced5c2-d787-455d-b115-4f08a699b8c8" providerId="ADAL" clId="{29AE3C56-95F7-4B8B-A3E1-184D660B9D00}" dt="2025-02-04T13:39:48.827" v="18" actId="20577"/>
+          <ac:spMkLst>
+            <pc:docMk/>
+            <pc:sldMk cId="0" sldId="256"/>
+            <ac:spMk id="10" creationId="{0D52910C-C7FF-51AD-9B9D-1A390D5FFE1B}"/>
+          </ac:spMkLst>
+        </pc:spChg>
+      </pc:sldChg>
+      <pc:sldChg chg="modSp mod">
+        <pc:chgData name="JHEYSON FABIAN VILLAVISAN BUITRAGO" userId="e5ced5c2-d787-455d-b115-4f08a699b8c8" providerId="ADAL" clId="{29AE3C56-95F7-4B8B-A3E1-184D660B9D00}" dt="2025-02-04T14:19:45.992" v="825" actId="20577"/>
+        <pc:sldMkLst>
+          <pc:docMk/>
+          <pc:sldMk cId="0" sldId="261"/>
+        </pc:sldMkLst>
+      </pc:sldChg>
+      <pc:sldChg chg="modSp add mod">
+        <pc:chgData name="JHEYSON FABIAN VILLAVISAN BUITRAGO" userId="e5ced5c2-d787-455d-b115-4f08a699b8c8" providerId="ADAL" clId="{29AE3C56-95F7-4B8B-A3E1-184D660B9D00}" dt="2025-02-04T14:31:11.579" v="1004" actId="20577"/>
+        <pc:sldMkLst>
+          <pc:docMk/>
+          <pc:sldMk cId="0" sldId="266"/>
+        </pc:sldMkLst>
+      </pc:sldChg>
+      <pc:sldChg chg="modSp mod">
+        <pc:chgData name="JHEYSON FABIAN VILLAVISAN BUITRAGO" userId="e5ced5c2-d787-455d-b115-4f08a699b8c8" providerId="ADAL" clId="{29AE3C56-95F7-4B8B-A3E1-184D660B9D00}" dt="2025-02-04T14:27:42.659" v="1000" actId="20577"/>
+        <pc:sldMkLst>
+          <pc:docMk/>
+          <pc:sldMk cId="0" sldId="268"/>
+        </pc:sldMkLst>
+      </pc:sldChg>
+      <pc:sldChg chg="modSp mod">
+        <pc:chgData name="JHEYSON FABIAN VILLAVISAN BUITRAGO" userId="e5ced5c2-d787-455d-b115-4f08a699b8c8" providerId="ADAL" clId="{29AE3C56-95F7-4B8B-A3E1-184D660B9D00}" dt="2025-02-04T13:39:58.014" v="19"/>
+        <pc:sldMkLst>
+          <pc:docMk/>
+          <pc:sldMk cId="3709177429" sldId="274"/>
+        </pc:sldMkLst>
+        <pc:spChg chg="mod">
+          <ac:chgData name="JHEYSON FABIAN VILLAVISAN BUITRAGO" userId="e5ced5c2-d787-455d-b115-4f08a699b8c8" providerId="ADAL" clId="{29AE3C56-95F7-4B8B-A3E1-184D660B9D00}" dt="2025-02-04T13:39:58.014" v="19"/>
+          <ac:spMkLst>
+            <pc:docMk/>
+            <pc:sldMk cId="3709177429" sldId="274"/>
+            <ac:spMk id="5" creationId="{AD83FA30-4A3C-43B8-17CD-C08519129156}"/>
+          </ac:spMkLst>
+        </pc:spChg>
+      </pc:sldChg>
+      <pc:sldChg chg="modSp add mod">
+        <pc:chgData name="JHEYSON FABIAN VILLAVISAN BUITRAGO" userId="e5ced5c2-d787-455d-b115-4f08a699b8c8" providerId="ADAL" clId="{29AE3C56-95F7-4B8B-A3E1-184D660B9D00}" dt="2025-02-04T14:31:09.215" v="1003" actId="20577"/>
+        <pc:sldMkLst>
+          <pc:docMk/>
+          <pc:sldMk cId="2680639377" sldId="275"/>
+        </pc:sldMkLst>
+      </pc:sldChg>
+      <pc:sldChg chg="delSp modSp mod">
+        <pc:chgData name="JHEYSON FABIAN VILLAVISAN BUITRAGO" userId="e5ced5c2-d787-455d-b115-4f08a699b8c8" providerId="ADAL" clId="{29AE3C56-95F7-4B8B-A3E1-184D660B9D00}" dt="2025-02-04T14:27:40.001" v="999" actId="20577"/>
+        <pc:sldMkLst>
+          <pc:docMk/>
+          <pc:sldMk cId="1955606898" sldId="277"/>
+        </pc:sldMkLst>
+      </pc:sldChg>
+      <pc:sldChg chg="modSp mod">
+        <pc:chgData name="JHEYSON FABIAN VILLAVISAN BUITRAGO" userId="e5ced5c2-d787-455d-b115-4f08a699b8c8" providerId="ADAL" clId="{29AE3C56-95F7-4B8B-A3E1-184D660B9D00}" dt="2025-02-04T13:40:01.726" v="20"/>
+        <pc:sldMkLst>
+          <pc:docMk/>
+          <pc:sldMk cId="214171354" sldId="278"/>
+        </pc:sldMkLst>
+      </pc:sldChg>
+      <pc:sldChg chg="addSp modSp mod">
+        <pc:chgData name="JHEYSON FABIAN VILLAVISAN BUITRAGO" userId="e5ced5c2-d787-455d-b115-4f08a699b8c8" providerId="ADAL" clId="{29AE3C56-95F7-4B8B-A3E1-184D660B9D00}" dt="2025-02-04T14:46:47.942" v="1030" actId="20577"/>
+        <pc:sldMkLst>
+          <pc:docMk/>
+          <pc:sldMk cId="2965408220" sldId="280"/>
+        </pc:sldMkLst>
+      </pc:sldChg>
+    </pc:docChg>
+  </pc:docChgLst>
+  <pc:docChgLst>
+    <pc:chgData name="JHEYSON FABIAN VILLAVISAN BUITRAGO" userId="e5ced5c2-d787-455d-b115-4f08a699b8c8" providerId="ADAL" clId="{3985C9E5-81AA-4DDC-888E-805F19B02ED5}"/>
+    <pc:docChg chg="undo custSel addSld delSld modSld modSection">
+      <pc:chgData name="JHEYSON FABIAN VILLAVISAN BUITRAGO" userId="e5ced5c2-d787-455d-b115-4f08a699b8c8" providerId="ADAL" clId="{3985C9E5-81AA-4DDC-888E-805F19B02ED5}" dt="2024-08-06T19:04:24.772" v="434" actId="20577"/>
+      <pc:docMkLst>
+        <pc:docMk/>
+      </pc:docMkLst>
+      <pc:sldChg chg="modSp mod">
+        <pc:chgData name="JHEYSON FABIAN VILLAVISAN BUITRAGO" userId="e5ced5c2-d787-455d-b115-4f08a699b8c8" providerId="ADAL" clId="{3985C9E5-81AA-4DDC-888E-805F19B02ED5}" dt="2024-08-06T19:01:38.512" v="427" actId="20577"/>
+        <pc:sldMkLst>
+          <pc:docMk/>
+          <pc:sldMk cId="0" sldId="261"/>
+        </pc:sldMkLst>
+      </pc:sldChg>
+      <pc:sldChg chg="add del">
+        <pc:chgData name="JHEYSON FABIAN VILLAVISAN BUITRAGO" userId="e5ced5c2-d787-455d-b115-4f08a699b8c8" providerId="ADAL" clId="{3985C9E5-81AA-4DDC-888E-805F19B02ED5}" dt="2024-08-06T19:01:04.375" v="421" actId="47"/>
+        <pc:sldMkLst>
+          <pc:docMk/>
+          <pc:sldMk cId="0" sldId="264"/>
+        </pc:sldMkLst>
+      </pc:sldChg>
       <pc:sldChg chg="del">
-        <pc:chgData name="JHEYSON FABIAN VILLAVISAN BUITRAGO" userId="e5ced5c2-d787-455d-b115-4f08a699b8c8" providerId="ADAL" clId="{3C960EF9-9F90-4C06-ADB8-88ED32B978A2}" dt="2025-02-04T15:25:39.368" v="106" actId="47"/>
+        <pc:chgData name="JHEYSON FABIAN VILLAVISAN BUITRAGO" userId="e5ced5c2-d787-455d-b115-4f08a699b8c8" providerId="ADAL" clId="{3985C9E5-81AA-4DDC-888E-805F19B02ED5}" dt="2024-08-06T19:01:05.142" v="422" actId="47"/>
+        <pc:sldMkLst>
+          <pc:docMk/>
+          <pc:sldMk cId="0" sldId="265"/>
+        </pc:sldMkLst>
+      </pc:sldChg>
+      <pc:sldChg chg="del">
+        <pc:chgData name="JHEYSON FABIAN VILLAVISAN BUITRAGO" userId="e5ced5c2-d787-455d-b115-4f08a699b8c8" providerId="ADAL" clId="{3985C9E5-81AA-4DDC-888E-805F19B02ED5}" dt="2024-08-06T19:01:05.552" v="423" actId="47"/>
+        <pc:sldMkLst>
+          <pc:docMk/>
+          <pc:sldMk cId="0" sldId="266"/>
+        </pc:sldMkLst>
+      </pc:sldChg>
+      <pc:sldChg chg="del">
+        <pc:chgData name="JHEYSON FABIAN VILLAVISAN BUITRAGO" userId="e5ced5c2-d787-455d-b115-4f08a699b8c8" providerId="ADAL" clId="{3985C9E5-81AA-4DDC-888E-805F19B02ED5}" dt="2024-08-06T19:01:06.084" v="424" actId="47"/>
+        <pc:sldMkLst>
+          <pc:docMk/>
+          <pc:sldMk cId="2680639377" sldId="275"/>
+        </pc:sldMkLst>
+      </pc:sldChg>
+      <pc:sldChg chg="modSp mod">
+        <pc:chgData name="JHEYSON FABIAN VILLAVISAN BUITRAGO" userId="e5ced5c2-d787-455d-b115-4f08a699b8c8" providerId="ADAL" clId="{3985C9E5-81AA-4DDC-888E-805F19B02ED5}" dt="2024-08-06T19:01:13.517" v="426" actId="20577"/>
+        <pc:sldMkLst>
+          <pc:docMk/>
+          <pc:sldMk cId="1955606898" sldId="277"/>
+        </pc:sldMkLst>
+      </pc:sldChg>
+      <pc:sldChg chg="del">
+        <pc:chgData name="JHEYSON FABIAN VILLAVISAN BUITRAGO" userId="e5ced5c2-d787-455d-b115-4f08a699b8c8" providerId="ADAL" clId="{3985C9E5-81AA-4DDC-888E-805F19B02ED5}" dt="2024-08-06T19:01:08.008" v="425" actId="47"/>
+        <pc:sldMkLst>
+          <pc:docMk/>
+          <pc:sldMk cId="3765501484" sldId="279"/>
+        </pc:sldMkLst>
+      </pc:sldChg>
+      <pc:sldChg chg="addSp delSp modSp mod">
+        <pc:chgData name="JHEYSON FABIAN VILLAVISAN BUITRAGO" userId="e5ced5c2-d787-455d-b115-4f08a699b8c8" providerId="ADAL" clId="{3985C9E5-81AA-4DDC-888E-805F19B02ED5}" dt="2024-08-06T19:04:24.772" v="434" actId="20577"/>
+        <pc:sldMkLst>
+          <pc:docMk/>
+          <pc:sldMk cId="2965408220" sldId="280"/>
+        </pc:sldMkLst>
+      </pc:sldChg>
+    </pc:docChg>
+  </pc:docChgLst>
+  <pc:docChgLst>
+    <pc:chgData name="JHEYSON FABIAN VILLAVISAN BUITRAGO" userId="e5ced5c2-d787-455d-b115-4f08a699b8c8" providerId="ADAL" clId="{B7B46A87-332C-4E6B-A17F-43C7BE9901B3}"/>
+    <pc:docChg chg="undo custSel addSld delSld modSld modSection">
+      <pc:chgData name="JHEYSON FABIAN VILLAVISAN BUITRAGO" userId="e5ced5c2-d787-455d-b115-4f08a699b8c8" providerId="ADAL" clId="{B7B46A87-332C-4E6B-A17F-43C7BE9901B3}" dt="2024-02-04T21:18:12.134" v="356" actId="1076"/>
+      <pc:docMkLst>
+        <pc:docMk/>
+      </pc:docMkLst>
+      <pc:sldChg chg="addSp modSp mod">
+        <pc:chgData name="JHEYSON FABIAN VILLAVISAN BUITRAGO" userId="e5ced5c2-d787-455d-b115-4f08a699b8c8" providerId="ADAL" clId="{B7B46A87-332C-4E6B-A17F-43C7BE9901B3}" dt="2024-02-04T21:01:44.205" v="337" actId="20577"/>
         <pc:sldMkLst>
           <pc:docMk/>
           <pc:sldMk cId="0" sldId="261"/>
         </pc:sldMkLst>
       </pc:sldChg>
       <pc:sldChg chg="del">
-        <pc:chgData name="JHEYSON FABIAN VILLAVISAN BUITRAGO" userId="e5ced5c2-d787-455d-b115-4f08a699b8c8" providerId="ADAL" clId="{3C960EF9-9F90-4C06-ADB8-88ED32B978A2}" dt="2025-02-04T15:25:39.368" v="106" actId="47"/>
+        <pc:chgData name="JHEYSON FABIAN VILLAVISAN BUITRAGO" userId="e5ced5c2-d787-455d-b115-4f08a699b8c8" providerId="ADAL" clId="{B7B46A87-332C-4E6B-A17F-43C7BE9901B3}" dt="2024-02-04T20:55:17.123" v="234" actId="47"/>
         <pc:sldMkLst>
           <pc:docMk/>
-          <pc:sldMk cId="0" sldId="266"/>
+          <pc:sldMk cId="2505371292" sldId="270"/>
         </pc:sldMkLst>
       </pc:sldChg>
-      <pc:sldChg chg="del">
-        <pc:chgData name="JHEYSON FABIAN VILLAVISAN BUITRAGO" userId="e5ced5c2-d787-455d-b115-4f08a699b8c8" providerId="ADAL" clId="{3C960EF9-9F90-4C06-ADB8-88ED32B978A2}" dt="2025-02-04T15:25:39.368" v="106" actId="47"/>
+      <pc:sldChg chg="addSp delSp modSp mod">
+        <pc:chgData name="JHEYSON FABIAN VILLAVISAN BUITRAGO" userId="e5ced5c2-d787-455d-b115-4f08a699b8c8" providerId="ADAL" clId="{B7B46A87-332C-4E6B-A17F-43C7BE9901B3}" dt="2024-02-04T21:18:12.134" v="356" actId="1076"/>
         <pc:sldMkLst>
           <pc:docMk/>
-          <pc:sldMk cId="0" sldId="268"/>
+          <pc:sldMk cId="3765501484" sldId="279"/>
         </pc:sldMkLst>
       </pc:sldChg>
-      <pc:sldChg chg="addSp delSp modSp add del mod">
-        <pc:chgData name="JHEYSON FABIAN VILLAVISAN BUITRAGO" userId="e5ced5c2-d787-455d-b115-4f08a699b8c8" providerId="ADAL" clId="{3C960EF9-9F90-4C06-ADB8-88ED32B978A2}" dt="2025-02-04T15:35:56.893" v="483" actId="404"/>
-        <pc:sldMkLst>
-          <pc:docMk/>
-          <pc:sldMk cId="3709177429" sldId="274"/>
-        </pc:sldMkLst>
-        <pc:spChg chg="mod">
-          <ac:chgData name="JHEYSON FABIAN VILLAVISAN BUITRAGO" userId="e5ced5c2-d787-455d-b115-4f08a699b8c8" providerId="ADAL" clId="{3C960EF9-9F90-4C06-ADB8-88ED32B978A2}" dt="2025-02-04T15:35:56.893" v="483" actId="404"/>
-          <ac:spMkLst>
-            <pc:docMk/>
-            <pc:sldMk cId="3709177429" sldId="274"/>
-            <ac:spMk id="4" creationId="{2C7E43D4-8286-4BEE-907B-3A35AE701C90}"/>
-          </ac:spMkLst>
-        </pc:spChg>
-        <pc:spChg chg="mod">
-          <ac:chgData name="JHEYSON FABIAN VILLAVISAN BUITRAGO" userId="e5ced5c2-d787-455d-b115-4f08a699b8c8" providerId="ADAL" clId="{3C960EF9-9F90-4C06-ADB8-88ED32B978A2}" dt="2025-02-04T15:24:32.201" v="5" actId="20577"/>
-          <ac:spMkLst>
-            <pc:docMk/>
-            <pc:sldMk cId="3709177429" sldId="274"/>
-            <ac:spMk id="10" creationId="{AF4E183E-A171-4923-A99E-D149888CEC37}"/>
-          </ac:spMkLst>
-        </pc:spChg>
-      </pc:sldChg>
-      <pc:sldChg chg="del">
-        <pc:chgData name="JHEYSON FABIAN VILLAVISAN BUITRAGO" userId="e5ced5c2-d787-455d-b115-4f08a699b8c8" providerId="ADAL" clId="{3C960EF9-9F90-4C06-ADB8-88ED32B978A2}" dt="2025-02-04T15:25:39.368" v="106" actId="47"/>
-        <pc:sldMkLst>
-          <pc:docMk/>
-          <pc:sldMk cId="2680639377" sldId="275"/>
-        </pc:sldMkLst>
-      </pc:sldChg>
-      <pc:sldChg chg="del">
-        <pc:chgData name="JHEYSON FABIAN VILLAVISAN BUITRAGO" userId="e5ced5c2-d787-455d-b115-4f08a699b8c8" providerId="ADAL" clId="{3C960EF9-9F90-4C06-ADB8-88ED32B978A2}" dt="2025-02-04T15:25:39.368" v="106" actId="47"/>
-        <pc:sldMkLst>
-          <pc:docMk/>
-          <pc:sldMk cId="1955606898" sldId="277"/>
-        </pc:sldMkLst>
-      </pc:sldChg>
-      <pc:sldChg chg="del">
-        <pc:chgData name="JHEYSON FABIAN VILLAVISAN BUITRAGO" userId="e5ced5c2-d787-455d-b115-4f08a699b8c8" providerId="ADAL" clId="{3C960EF9-9F90-4C06-ADB8-88ED32B978A2}" dt="2025-02-04T15:25:39.368" v="106" actId="47"/>
-        <pc:sldMkLst>
-          <pc:docMk/>
-          <pc:sldMk cId="214171354" sldId="278"/>
-        </pc:sldMkLst>
-      </pc:sldChg>
-      <pc:sldChg chg="modSp mod ord">
-        <pc:chgData name="JHEYSON FABIAN VILLAVISAN BUITRAGO" userId="e5ced5c2-d787-455d-b115-4f08a699b8c8" providerId="ADAL" clId="{3C960EF9-9F90-4C06-ADB8-88ED32B978A2}" dt="2025-02-04T15:24:27.738" v="4" actId="20577"/>
+      <pc:sldChg chg="addSp delSp modSp add mod">
+        <pc:chgData name="JHEYSON FABIAN VILLAVISAN BUITRAGO" userId="e5ced5c2-d787-455d-b115-4f08a699b8c8" providerId="ADAL" clId="{B7B46A87-332C-4E6B-A17F-43C7BE9901B3}" dt="2024-02-04T21:13:02.241" v="347"/>
         <pc:sldMkLst>
           <pc:docMk/>
           <pc:sldMk cId="2965408220" sldId="280"/>
-        </pc:sldMkLst>
-      </pc:sldChg>
-      <pc:sldChg chg="delSp modSp add mod">
-        <pc:chgData name="JHEYSON FABIAN VILLAVISAN BUITRAGO" userId="e5ced5c2-d787-455d-b115-4f08a699b8c8" providerId="ADAL" clId="{3C960EF9-9F90-4C06-ADB8-88ED32B978A2}" dt="2025-02-04T15:38:32.251" v="580" actId="20577"/>
-        <pc:sldMkLst>
-          <pc:docMk/>
-          <pc:sldMk cId="2753606348" sldId="281"/>
-        </pc:sldMkLst>
-      </pc:sldChg>
-      <pc:sldChg chg="addSp modSp add mod">
-        <pc:chgData name="JHEYSON FABIAN VILLAVISAN BUITRAGO" userId="e5ced5c2-d787-455d-b115-4f08a699b8c8" providerId="ADAL" clId="{3C960EF9-9F90-4C06-ADB8-88ED32B978A2}" dt="2025-02-04T15:56:44.871" v="944" actId="113"/>
-        <pc:sldMkLst>
-          <pc:docMk/>
-          <pc:sldMk cId="949277400" sldId="282"/>
-        </pc:sldMkLst>
-      </pc:sldChg>
-      <pc:sldChg chg="modSp add mod">
-        <pc:chgData name="JHEYSON FABIAN VILLAVISAN BUITRAGO" userId="e5ced5c2-d787-455d-b115-4f08a699b8c8" providerId="ADAL" clId="{3C960EF9-9F90-4C06-ADB8-88ED32B978A2}" dt="2025-02-04T15:56:31.468" v="943" actId="113"/>
-        <pc:sldMkLst>
-          <pc:docMk/>
-          <pc:sldMk cId="989802654" sldId="283"/>
-        </pc:sldMkLst>
-      </pc:sldChg>
-      <pc:sldChg chg="modSp add mod">
-        <pc:chgData name="JHEYSON FABIAN VILLAVISAN BUITRAGO" userId="e5ced5c2-d787-455d-b115-4f08a699b8c8" providerId="ADAL" clId="{3C960EF9-9F90-4C06-ADB8-88ED32B978A2}" dt="2025-02-04T15:39:23.528" v="601" actId="20577"/>
-        <pc:sldMkLst>
-          <pc:docMk/>
-          <pc:sldMk cId="221020506" sldId="284"/>
-        </pc:sldMkLst>
-      </pc:sldChg>
-      <pc:sldChg chg="addSp delSp modSp add mod">
-        <pc:chgData name="JHEYSON FABIAN VILLAVISAN BUITRAGO" userId="e5ced5c2-d787-455d-b115-4f08a699b8c8" providerId="ADAL" clId="{3C960EF9-9F90-4C06-ADB8-88ED32B978A2}" dt="2025-02-04T15:59:24.826" v="1061" actId="113"/>
-        <pc:sldMkLst>
-          <pc:docMk/>
-          <pc:sldMk cId="943304343" sldId="285"/>
         </pc:sldMkLst>
       </pc:sldChg>
     </pc:docChg>
@@ -623,90 +558,308 @@
     </pc:docChg>
   </pc:docChgLst>
   <pc:docChgLst>
-    <pc:chgData name="JHEYSON FABIAN VILLAVISAN BUITRAGO" userId="e5ced5c2-d787-455d-b115-4f08a699b8c8" providerId="ADAL" clId="{29AE3C56-95F7-4B8B-A3E1-184D660B9D00}"/>
-    <pc:docChg chg="undo redo custSel addSld modSld">
-      <pc:chgData name="JHEYSON FABIAN VILLAVISAN BUITRAGO" userId="e5ced5c2-d787-455d-b115-4f08a699b8c8" providerId="ADAL" clId="{29AE3C56-95F7-4B8B-A3E1-184D660B9D00}" dt="2025-02-04T14:46:47.942" v="1030" actId="20577"/>
+    <pc:chgData name="CHRISTIAN FARID CAMPOS GONZALEZ" userId="S::cfcamposg@itc.edu.co::e2af7a5d-6f96-4d58-8d9d-c7b333dcb75c" providerId="AD" clId="Web-{051E1A00-470F-A370-EEE3-4A0CE303ACD9}"/>
+    <pc:docChg chg="sldOrd">
+      <pc:chgData name="CHRISTIAN FARID CAMPOS GONZALEZ" userId="S::cfcamposg@itc.edu.co::e2af7a5d-6f96-4d58-8d9d-c7b333dcb75c" providerId="AD" clId="Web-{051E1A00-470F-A370-EEE3-4A0CE303ACD9}" dt="2024-03-03T17:01:05.428" v="0"/>
       <pc:docMkLst>
         <pc:docMk/>
       </pc:docMkLst>
-      <pc:sldChg chg="modSp mod">
-        <pc:chgData name="JHEYSON FABIAN VILLAVISAN BUITRAGO" userId="e5ced5c2-d787-455d-b115-4f08a699b8c8" providerId="ADAL" clId="{29AE3C56-95F7-4B8B-A3E1-184D660B9D00}" dt="2025-02-04T13:39:48.827" v="18" actId="20577"/>
+      <pc:sldChg chg="ord">
+        <pc:chgData name="CHRISTIAN FARID CAMPOS GONZALEZ" userId="S::cfcamposg@itc.edu.co::e2af7a5d-6f96-4d58-8d9d-c7b333dcb75c" providerId="AD" clId="Web-{051E1A00-470F-A370-EEE3-4A0CE303ACD9}" dt="2024-03-03T17:01:05.428" v="0"/>
         <pc:sldMkLst>
           <pc:docMk/>
-          <pc:sldMk cId="0" sldId="256"/>
+          <pc:sldMk cId="2680639377" sldId="275"/>
         </pc:sldMkLst>
-        <pc:spChg chg="mod">
-          <ac:chgData name="JHEYSON FABIAN VILLAVISAN BUITRAGO" userId="e5ced5c2-d787-455d-b115-4f08a699b8c8" providerId="ADAL" clId="{29AE3C56-95F7-4B8B-A3E1-184D660B9D00}" dt="2025-02-04T13:39:48.827" v="18" actId="20577"/>
-          <ac:spMkLst>
-            <pc:docMk/>
-            <pc:sldMk cId="0" sldId="256"/>
-            <ac:spMk id="10" creationId="{0D52910C-C7FF-51AD-9B9D-1A390D5FFE1B}"/>
-          </ac:spMkLst>
-        </pc:spChg>
       </pc:sldChg>
-      <pc:sldChg chg="modSp mod">
-        <pc:chgData name="JHEYSON FABIAN VILLAVISAN BUITRAGO" userId="e5ced5c2-d787-455d-b115-4f08a699b8c8" providerId="ADAL" clId="{29AE3C56-95F7-4B8B-A3E1-184D660B9D00}" dt="2025-02-04T14:19:45.992" v="825" actId="20577"/>
+    </pc:docChg>
+  </pc:docChgLst>
+  <pc:docChgLst>
+    <pc:chgData name="JHEYSON FABIAN VILLAVISAN BUITRAGO" userId="e5ced5c2-d787-455d-b115-4f08a699b8c8" providerId="ADAL" clId="{3C960EF9-9F90-4C06-ADB8-88ED32B978A2}"/>
+    <pc:docChg chg="undo custSel addSld delSld modSld sldOrd modSection">
+      <pc:chgData name="JHEYSON FABIAN VILLAVISAN BUITRAGO" userId="e5ced5c2-d787-455d-b115-4f08a699b8c8" providerId="ADAL" clId="{3C960EF9-9F90-4C06-ADB8-88ED32B978A2}" dt="2025-02-04T15:59:24.826" v="1061" actId="113"/>
+      <pc:docMkLst>
+        <pc:docMk/>
+      </pc:docMkLst>
+      <pc:sldChg chg="del">
+        <pc:chgData name="JHEYSON FABIAN VILLAVISAN BUITRAGO" userId="e5ced5c2-d787-455d-b115-4f08a699b8c8" providerId="ADAL" clId="{3C960EF9-9F90-4C06-ADB8-88ED32B978A2}" dt="2025-02-04T15:25:39.368" v="106" actId="47"/>
         <pc:sldMkLst>
           <pc:docMk/>
           <pc:sldMk cId="0" sldId="261"/>
         </pc:sldMkLst>
       </pc:sldChg>
-      <pc:sldChg chg="modSp add mod">
-        <pc:chgData name="JHEYSON FABIAN VILLAVISAN BUITRAGO" userId="e5ced5c2-d787-455d-b115-4f08a699b8c8" providerId="ADAL" clId="{29AE3C56-95F7-4B8B-A3E1-184D660B9D00}" dt="2025-02-04T14:31:11.579" v="1004" actId="20577"/>
+      <pc:sldChg chg="del">
+        <pc:chgData name="JHEYSON FABIAN VILLAVISAN BUITRAGO" userId="e5ced5c2-d787-455d-b115-4f08a699b8c8" providerId="ADAL" clId="{3C960EF9-9F90-4C06-ADB8-88ED32B978A2}" dt="2025-02-04T15:25:39.368" v="106" actId="47"/>
         <pc:sldMkLst>
           <pc:docMk/>
           <pc:sldMk cId="0" sldId="266"/>
         </pc:sldMkLst>
       </pc:sldChg>
-      <pc:sldChg chg="modSp mod">
-        <pc:chgData name="JHEYSON FABIAN VILLAVISAN BUITRAGO" userId="e5ced5c2-d787-455d-b115-4f08a699b8c8" providerId="ADAL" clId="{29AE3C56-95F7-4B8B-A3E1-184D660B9D00}" dt="2025-02-04T14:27:42.659" v="1000" actId="20577"/>
+      <pc:sldChg chg="del">
+        <pc:chgData name="JHEYSON FABIAN VILLAVISAN BUITRAGO" userId="e5ced5c2-d787-455d-b115-4f08a699b8c8" providerId="ADAL" clId="{3C960EF9-9F90-4C06-ADB8-88ED32B978A2}" dt="2025-02-04T15:25:39.368" v="106" actId="47"/>
         <pc:sldMkLst>
           <pc:docMk/>
           <pc:sldMk cId="0" sldId="268"/>
         </pc:sldMkLst>
       </pc:sldChg>
-      <pc:sldChg chg="modSp mod">
-        <pc:chgData name="JHEYSON FABIAN VILLAVISAN BUITRAGO" userId="e5ced5c2-d787-455d-b115-4f08a699b8c8" providerId="ADAL" clId="{29AE3C56-95F7-4B8B-A3E1-184D660B9D00}" dt="2025-02-04T13:39:58.014" v="19"/>
+      <pc:sldChg chg="addSp delSp modSp add del mod">
+        <pc:chgData name="JHEYSON FABIAN VILLAVISAN BUITRAGO" userId="e5ced5c2-d787-455d-b115-4f08a699b8c8" providerId="ADAL" clId="{3C960EF9-9F90-4C06-ADB8-88ED32B978A2}" dt="2025-02-04T15:35:56.893" v="483" actId="404"/>
         <pc:sldMkLst>
           <pc:docMk/>
           <pc:sldMk cId="3709177429" sldId="274"/>
         </pc:sldMkLst>
         <pc:spChg chg="mod">
-          <ac:chgData name="JHEYSON FABIAN VILLAVISAN BUITRAGO" userId="e5ced5c2-d787-455d-b115-4f08a699b8c8" providerId="ADAL" clId="{29AE3C56-95F7-4B8B-A3E1-184D660B9D00}" dt="2025-02-04T13:39:58.014" v="19"/>
+          <ac:chgData name="JHEYSON FABIAN VILLAVISAN BUITRAGO" userId="e5ced5c2-d787-455d-b115-4f08a699b8c8" providerId="ADAL" clId="{3C960EF9-9F90-4C06-ADB8-88ED32B978A2}" dt="2025-02-04T15:35:56.893" v="483" actId="404"/>
           <ac:spMkLst>
             <pc:docMk/>
             <pc:sldMk cId="3709177429" sldId="274"/>
-            <ac:spMk id="5" creationId="{AD83FA30-4A3C-43B8-17CD-C08519129156}"/>
+            <ac:spMk id="4" creationId="{2C7E43D4-8286-4BEE-907B-3A35AE701C90}"/>
+          </ac:spMkLst>
+        </pc:spChg>
+        <pc:spChg chg="mod">
+          <ac:chgData name="JHEYSON FABIAN VILLAVISAN BUITRAGO" userId="e5ced5c2-d787-455d-b115-4f08a699b8c8" providerId="ADAL" clId="{3C960EF9-9F90-4C06-ADB8-88ED32B978A2}" dt="2025-02-04T15:24:32.201" v="5" actId="20577"/>
+          <ac:spMkLst>
+            <pc:docMk/>
+            <pc:sldMk cId="3709177429" sldId="274"/>
+            <ac:spMk id="10" creationId="{AF4E183E-A171-4923-A99E-D149888CEC37}"/>
           </ac:spMkLst>
         </pc:spChg>
       </pc:sldChg>
-      <pc:sldChg chg="modSp add mod">
-        <pc:chgData name="JHEYSON FABIAN VILLAVISAN BUITRAGO" userId="e5ced5c2-d787-455d-b115-4f08a699b8c8" providerId="ADAL" clId="{29AE3C56-95F7-4B8B-A3E1-184D660B9D00}" dt="2025-02-04T14:31:09.215" v="1003" actId="20577"/>
+      <pc:sldChg chg="del">
+        <pc:chgData name="JHEYSON FABIAN VILLAVISAN BUITRAGO" userId="e5ced5c2-d787-455d-b115-4f08a699b8c8" providerId="ADAL" clId="{3C960EF9-9F90-4C06-ADB8-88ED32B978A2}" dt="2025-02-04T15:25:39.368" v="106" actId="47"/>
         <pc:sldMkLst>
           <pc:docMk/>
           <pc:sldMk cId="2680639377" sldId="275"/>
         </pc:sldMkLst>
       </pc:sldChg>
-      <pc:sldChg chg="delSp modSp mod">
-        <pc:chgData name="JHEYSON FABIAN VILLAVISAN BUITRAGO" userId="e5ced5c2-d787-455d-b115-4f08a699b8c8" providerId="ADAL" clId="{29AE3C56-95F7-4B8B-A3E1-184D660B9D00}" dt="2025-02-04T14:27:40.001" v="999" actId="20577"/>
+      <pc:sldChg chg="del">
+        <pc:chgData name="JHEYSON FABIAN VILLAVISAN BUITRAGO" userId="e5ced5c2-d787-455d-b115-4f08a699b8c8" providerId="ADAL" clId="{3C960EF9-9F90-4C06-ADB8-88ED32B978A2}" dt="2025-02-04T15:25:39.368" v="106" actId="47"/>
         <pc:sldMkLst>
           <pc:docMk/>
           <pc:sldMk cId="1955606898" sldId="277"/>
         </pc:sldMkLst>
       </pc:sldChg>
-      <pc:sldChg chg="modSp mod">
-        <pc:chgData name="JHEYSON FABIAN VILLAVISAN BUITRAGO" userId="e5ced5c2-d787-455d-b115-4f08a699b8c8" providerId="ADAL" clId="{29AE3C56-95F7-4B8B-A3E1-184D660B9D00}" dt="2025-02-04T13:40:01.726" v="20"/>
+      <pc:sldChg chg="del">
+        <pc:chgData name="JHEYSON FABIAN VILLAVISAN BUITRAGO" userId="e5ced5c2-d787-455d-b115-4f08a699b8c8" providerId="ADAL" clId="{3C960EF9-9F90-4C06-ADB8-88ED32B978A2}" dt="2025-02-04T15:25:39.368" v="106" actId="47"/>
         <pc:sldMkLst>
           <pc:docMk/>
           <pc:sldMk cId="214171354" sldId="278"/>
         </pc:sldMkLst>
       </pc:sldChg>
-      <pc:sldChg chg="addSp modSp mod">
-        <pc:chgData name="JHEYSON FABIAN VILLAVISAN BUITRAGO" userId="e5ced5c2-d787-455d-b115-4f08a699b8c8" providerId="ADAL" clId="{29AE3C56-95F7-4B8B-A3E1-184D660B9D00}" dt="2025-02-04T14:46:47.942" v="1030" actId="20577"/>
+      <pc:sldChg chg="modSp mod ord">
+        <pc:chgData name="JHEYSON FABIAN VILLAVISAN BUITRAGO" userId="e5ced5c2-d787-455d-b115-4f08a699b8c8" providerId="ADAL" clId="{3C960EF9-9F90-4C06-ADB8-88ED32B978A2}" dt="2025-02-04T15:24:27.738" v="4" actId="20577"/>
         <pc:sldMkLst>
           <pc:docMk/>
           <pc:sldMk cId="2965408220" sldId="280"/>
         </pc:sldMkLst>
+      </pc:sldChg>
+      <pc:sldChg chg="delSp modSp add mod">
+        <pc:chgData name="JHEYSON FABIAN VILLAVISAN BUITRAGO" userId="e5ced5c2-d787-455d-b115-4f08a699b8c8" providerId="ADAL" clId="{3C960EF9-9F90-4C06-ADB8-88ED32B978A2}" dt="2025-02-04T15:38:32.251" v="580" actId="20577"/>
+        <pc:sldMkLst>
+          <pc:docMk/>
+          <pc:sldMk cId="2753606348" sldId="281"/>
+        </pc:sldMkLst>
+      </pc:sldChg>
+      <pc:sldChg chg="addSp modSp add mod">
+        <pc:chgData name="JHEYSON FABIAN VILLAVISAN BUITRAGO" userId="e5ced5c2-d787-455d-b115-4f08a699b8c8" providerId="ADAL" clId="{3C960EF9-9F90-4C06-ADB8-88ED32B978A2}" dt="2025-02-04T15:56:44.871" v="944" actId="113"/>
+        <pc:sldMkLst>
+          <pc:docMk/>
+          <pc:sldMk cId="949277400" sldId="282"/>
+        </pc:sldMkLst>
+      </pc:sldChg>
+      <pc:sldChg chg="modSp add mod">
+        <pc:chgData name="JHEYSON FABIAN VILLAVISAN BUITRAGO" userId="e5ced5c2-d787-455d-b115-4f08a699b8c8" providerId="ADAL" clId="{3C960EF9-9F90-4C06-ADB8-88ED32B978A2}" dt="2025-02-04T15:56:31.468" v="943" actId="113"/>
+        <pc:sldMkLst>
+          <pc:docMk/>
+          <pc:sldMk cId="989802654" sldId="283"/>
+        </pc:sldMkLst>
+      </pc:sldChg>
+      <pc:sldChg chg="modSp add mod">
+        <pc:chgData name="JHEYSON FABIAN VILLAVISAN BUITRAGO" userId="e5ced5c2-d787-455d-b115-4f08a699b8c8" providerId="ADAL" clId="{3C960EF9-9F90-4C06-ADB8-88ED32B978A2}" dt="2025-02-04T15:39:23.528" v="601" actId="20577"/>
+        <pc:sldMkLst>
+          <pc:docMk/>
+          <pc:sldMk cId="221020506" sldId="284"/>
+        </pc:sldMkLst>
+      </pc:sldChg>
+      <pc:sldChg chg="addSp delSp modSp add mod">
+        <pc:chgData name="JHEYSON FABIAN VILLAVISAN BUITRAGO" userId="e5ced5c2-d787-455d-b115-4f08a699b8c8" providerId="ADAL" clId="{3C960EF9-9F90-4C06-ADB8-88ED32B978A2}" dt="2025-02-04T15:59:24.826" v="1061" actId="113"/>
+        <pc:sldMkLst>
+          <pc:docMk/>
+          <pc:sldMk cId="943304343" sldId="285"/>
+        </pc:sldMkLst>
+      </pc:sldChg>
+    </pc:docChg>
+  </pc:docChgLst>
+  <pc:docChgLst>
+    <pc:chgData name="JHEYSON FABIAN VILLAVISAN BUITRAGO" userId="e5ced5c2-d787-455d-b115-4f08a699b8c8" providerId="ADAL" clId="{EA65CCE7-4D40-401A-9838-3B0831D62C6E}"/>
+    <pc:docChg chg="undo custSel addSld delSld modSld modSection">
+      <pc:chgData name="JHEYSON FABIAN VILLAVISAN BUITRAGO" userId="e5ced5c2-d787-455d-b115-4f08a699b8c8" providerId="ADAL" clId="{EA65CCE7-4D40-401A-9838-3B0831D62C6E}" dt="2025-02-05T18:24:21.515" v="804" actId="115"/>
+      <pc:docMkLst>
+        <pc:docMk/>
+      </pc:docMkLst>
+      <pc:sldChg chg="modSp del">
+        <pc:chgData name="JHEYSON FABIAN VILLAVISAN BUITRAGO" userId="e5ced5c2-d787-455d-b115-4f08a699b8c8" providerId="ADAL" clId="{EA65CCE7-4D40-401A-9838-3B0831D62C6E}" dt="2025-02-05T17:55:09.885" v="331" actId="47"/>
+        <pc:sldMkLst>
+          <pc:docMk/>
+          <pc:sldMk cId="2965408220" sldId="280"/>
+        </pc:sldMkLst>
+        <pc:graphicFrameChg chg="mod">
+          <ac:chgData name="JHEYSON FABIAN VILLAVISAN BUITRAGO" userId="e5ced5c2-d787-455d-b115-4f08a699b8c8" providerId="ADAL" clId="{EA65CCE7-4D40-401A-9838-3B0831D62C6E}" dt="2025-02-05T17:53:37.689" v="329"/>
+          <ac:graphicFrameMkLst>
+            <pc:docMk/>
+            <pc:sldMk cId="2965408220" sldId="280"/>
+            <ac:graphicFrameMk id="6" creationId="{D45444DB-DE93-829B-F32A-C3FB962F868B}"/>
+          </ac:graphicFrameMkLst>
+        </pc:graphicFrameChg>
+      </pc:sldChg>
+      <pc:sldChg chg="del">
+        <pc:chgData name="JHEYSON FABIAN VILLAVISAN BUITRAGO" userId="e5ced5c2-d787-455d-b115-4f08a699b8c8" providerId="ADAL" clId="{EA65CCE7-4D40-401A-9838-3B0831D62C6E}" dt="2025-02-05T15:22:22.226" v="89" actId="47"/>
+        <pc:sldMkLst>
+          <pc:docMk/>
+          <pc:sldMk cId="2753606348" sldId="281"/>
+        </pc:sldMkLst>
+      </pc:sldChg>
+      <pc:sldChg chg="del">
+        <pc:chgData name="JHEYSON FABIAN VILLAVISAN BUITRAGO" userId="e5ced5c2-d787-455d-b115-4f08a699b8c8" providerId="ADAL" clId="{EA65CCE7-4D40-401A-9838-3B0831D62C6E}" dt="2025-02-05T15:22:23.400" v="90" actId="47"/>
+        <pc:sldMkLst>
+          <pc:docMk/>
+          <pc:sldMk cId="949277400" sldId="282"/>
+        </pc:sldMkLst>
+      </pc:sldChg>
+      <pc:sldChg chg="del">
+        <pc:chgData name="JHEYSON FABIAN VILLAVISAN BUITRAGO" userId="e5ced5c2-d787-455d-b115-4f08a699b8c8" providerId="ADAL" clId="{EA65CCE7-4D40-401A-9838-3B0831D62C6E}" dt="2025-02-05T15:22:24.141" v="91" actId="47"/>
+        <pc:sldMkLst>
+          <pc:docMk/>
+          <pc:sldMk cId="989802654" sldId="283"/>
+        </pc:sldMkLst>
+      </pc:sldChg>
+      <pc:sldChg chg="del">
+        <pc:chgData name="JHEYSON FABIAN VILLAVISAN BUITRAGO" userId="e5ced5c2-d787-455d-b115-4f08a699b8c8" providerId="ADAL" clId="{EA65CCE7-4D40-401A-9838-3B0831D62C6E}" dt="2025-02-05T15:22:24.912" v="92" actId="47"/>
+        <pc:sldMkLst>
+          <pc:docMk/>
+          <pc:sldMk cId="221020506" sldId="284"/>
+        </pc:sldMkLst>
+      </pc:sldChg>
+      <pc:sldChg chg="del">
+        <pc:chgData name="JHEYSON FABIAN VILLAVISAN BUITRAGO" userId="e5ced5c2-d787-455d-b115-4f08a699b8c8" providerId="ADAL" clId="{EA65CCE7-4D40-401A-9838-3B0831D62C6E}" dt="2025-02-05T15:22:19.620" v="88" actId="47"/>
+        <pc:sldMkLst>
+          <pc:docMk/>
+          <pc:sldMk cId="943304343" sldId="285"/>
+        </pc:sldMkLst>
+      </pc:sldChg>
+      <pc:sldChg chg="modSp add mod">
+        <pc:chgData name="JHEYSON FABIAN VILLAVISAN BUITRAGO" userId="e5ced5c2-d787-455d-b115-4f08a699b8c8" providerId="ADAL" clId="{EA65CCE7-4D40-401A-9838-3B0831D62C6E}" dt="2025-02-05T17:52:44.814" v="326" actId="20577"/>
+        <pc:sldMkLst>
+          <pc:docMk/>
+          <pc:sldMk cId="4035662027" sldId="286"/>
+        </pc:sldMkLst>
+        <pc:spChg chg="mod">
+          <ac:chgData name="JHEYSON FABIAN VILLAVISAN BUITRAGO" userId="e5ced5c2-d787-455d-b115-4f08a699b8c8" providerId="ADAL" clId="{EA65CCE7-4D40-401A-9838-3B0831D62C6E}" dt="2025-02-05T15:21:12.768" v="9" actId="20577"/>
+          <ac:spMkLst>
+            <pc:docMk/>
+            <pc:sldMk cId="4035662027" sldId="286"/>
+            <ac:spMk id="2" creationId="{D56DAEEF-8284-6112-BD0A-EDC7DFEA223F}"/>
+          </ac:spMkLst>
+        </pc:spChg>
+        <pc:spChg chg="mod">
+          <ac:chgData name="JHEYSON FABIAN VILLAVISAN BUITRAGO" userId="e5ced5c2-d787-455d-b115-4f08a699b8c8" providerId="ADAL" clId="{EA65CCE7-4D40-401A-9838-3B0831D62C6E}" dt="2025-02-05T17:52:44.814" v="326" actId="20577"/>
+          <ac:spMkLst>
+            <pc:docMk/>
+            <pc:sldMk cId="4035662027" sldId="286"/>
+            <ac:spMk id="4" creationId="{8A0CF200-2A59-F009-B9B5-2579EA98BD8F}"/>
+          </ac:spMkLst>
+        </pc:spChg>
+        <pc:spChg chg="mod">
+          <ac:chgData name="JHEYSON FABIAN VILLAVISAN BUITRAGO" userId="e5ced5c2-d787-455d-b115-4f08a699b8c8" providerId="ADAL" clId="{EA65CCE7-4D40-401A-9838-3B0831D62C6E}" dt="2025-02-05T15:32:06.069" v="312" actId="20577"/>
+          <ac:spMkLst>
+            <pc:docMk/>
+            <pc:sldMk cId="4035662027" sldId="286"/>
+            <ac:spMk id="10" creationId="{F963AE1B-BA6C-6901-0CBF-73BCCDFF8622}"/>
+          </ac:spMkLst>
+        </pc:spChg>
+      </pc:sldChg>
+      <pc:sldChg chg="add">
+        <pc:chgData name="JHEYSON FABIAN VILLAVISAN BUITRAGO" userId="e5ced5c2-d787-455d-b115-4f08a699b8c8" providerId="ADAL" clId="{EA65CCE7-4D40-401A-9838-3B0831D62C6E}" dt="2025-02-05T17:55:08.181" v="330"/>
+        <pc:sldMkLst>
+          <pc:docMk/>
+          <pc:sldMk cId="2038510038" sldId="287"/>
+        </pc:sldMkLst>
+      </pc:sldChg>
+      <pc:sldChg chg="modSp add mod">
+        <pc:chgData name="JHEYSON FABIAN VILLAVISAN BUITRAGO" userId="e5ced5c2-d787-455d-b115-4f08a699b8c8" providerId="ADAL" clId="{EA65CCE7-4D40-401A-9838-3B0831D62C6E}" dt="2025-02-05T18:24:21.515" v="804" actId="115"/>
+        <pc:sldMkLst>
+          <pc:docMk/>
+          <pc:sldMk cId="2419723712" sldId="288"/>
+        </pc:sldMkLst>
+      </pc:sldChg>
+    </pc:docChg>
+  </pc:docChgLst>
+  <pc:docChgLst>
+    <pc:chgData name="JHEYSON FABIAN VILLAVISAN BUITRAGO" userId="e5ced5c2-d787-455d-b115-4f08a699b8c8" providerId="ADAL" clId="{51B0F79C-F78A-4995-8170-0FDE3358A7F6}"/>
+    <pc:docChg chg="custSel addSld modSld sldOrd modSection">
+      <pc:chgData name="JHEYSON FABIAN VILLAVISAN BUITRAGO" userId="e5ced5c2-d787-455d-b115-4f08a699b8c8" providerId="ADAL" clId="{51B0F79C-F78A-4995-8170-0FDE3358A7F6}" dt="2025-03-25T15:28:42.035" v="465" actId="20577"/>
+      <pc:docMkLst>
+        <pc:docMk/>
+      </pc:docMkLst>
+      <pc:sldChg chg="modSp">
+        <pc:chgData name="JHEYSON FABIAN VILLAVISAN BUITRAGO" userId="e5ced5c2-d787-455d-b115-4f08a699b8c8" providerId="ADAL" clId="{51B0F79C-F78A-4995-8170-0FDE3358A7F6}" dt="2025-03-25T15:25:41.778" v="0" actId="21"/>
+        <pc:sldMkLst>
+          <pc:docMk/>
+          <pc:sldMk cId="2965408220" sldId="280"/>
+        </pc:sldMkLst>
+        <pc:graphicFrameChg chg="mod">
+          <ac:chgData name="JHEYSON FABIAN VILLAVISAN BUITRAGO" userId="e5ced5c2-d787-455d-b115-4f08a699b8c8" providerId="ADAL" clId="{51B0F79C-F78A-4995-8170-0FDE3358A7F6}" dt="2025-03-25T15:25:41.778" v="0" actId="21"/>
+          <ac:graphicFrameMkLst>
+            <pc:docMk/>
+            <pc:sldMk cId="2965408220" sldId="280"/>
+            <ac:graphicFrameMk id="6" creationId="{D45444DB-DE93-829B-F32A-C3FB962F868B}"/>
+          </ac:graphicFrameMkLst>
+        </pc:graphicFrameChg>
+      </pc:sldChg>
+      <pc:sldChg chg="modSp mod">
+        <pc:chgData name="JHEYSON FABIAN VILLAVISAN BUITRAGO" userId="e5ced5c2-d787-455d-b115-4f08a699b8c8" providerId="ADAL" clId="{51B0F79C-F78A-4995-8170-0FDE3358A7F6}" dt="2025-03-25T15:28:09.596" v="377" actId="20577"/>
+        <pc:sldMkLst>
+          <pc:docMk/>
+          <pc:sldMk cId="4035662027" sldId="286"/>
+        </pc:sldMkLst>
+        <pc:spChg chg="mod">
+          <ac:chgData name="JHEYSON FABIAN VILLAVISAN BUITRAGO" userId="e5ced5c2-d787-455d-b115-4f08a699b8c8" providerId="ADAL" clId="{51B0F79C-F78A-4995-8170-0FDE3358A7F6}" dt="2025-03-25T15:28:09.596" v="377" actId="20577"/>
+          <ac:spMkLst>
+            <pc:docMk/>
+            <pc:sldMk cId="4035662027" sldId="286"/>
+            <ac:spMk id="10" creationId="{F963AE1B-BA6C-6901-0CBF-73BCCDFF8622}"/>
+          </ac:spMkLst>
+        </pc:spChg>
+      </pc:sldChg>
+      <pc:sldChg chg="modSp add mod ord">
+        <pc:chgData name="JHEYSON FABIAN VILLAVISAN BUITRAGO" userId="e5ced5c2-d787-455d-b115-4f08a699b8c8" providerId="ADAL" clId="{51B0F79C-F78A-4995-8170-0FDE3358A7F6}" dt="2025-03-25T15:28:42.035" v="465" actId="20577"/>
+        <pc:sldMkLst>
+          <pc:docMk/>
+          <pc:sldMk cId="785442396" sldId="287"/>
+        </pc:sldMkLst>
+        <pc:spChg chg="mod">
+          <ac:chgData name="JHEYSON FABIAN VILLAVISAN BUITRAGO" userId="e5ced5c2-d787-455d-b115-4f08a699b8c8" providerId="ADAL" clId="{51B0F79C-F78A-4995-8170-0FDE3358A7F6}" dt="2025-03-25T15:26:03.998" v="11" actId="20577"/>
+          <ac:spMkLst>
+            <pc:docMk/>
+            <pc:sldMk cId="785442396" sldId="287"/>
+            <ac:spMk id="2" creationId="{5FF4961B-D7D4-8FFE-796A-C79202D88CFC}"/>
+          </ac:spMkLst>
+        </pc:spChg>
+        <pc:spChg chg="mod">
+          <ac:chgData name="JHEYSON FABIAN VILLAVISAN BUITRAGO" userId="e5ced5c2-d787-455d-b115-4f08a699b8c8" providerId="ADAL" clId="{51B0F79C-F78A-4995-8170-0FDE3358A7F6}" dt="2025-03-25T15:28:42.035" v="465" actId="20577"/>
+          <ac:spMkLst>
+            <pc:docMk/>
+            <pc:sldMk cId="785442396" sldId="287"/>
+            <ac:spMk id="4" creationId="{D4B7A90A-8975-9B65-47F7-E7765E998ECB}"/>
+          </ac:spMkLst>
+        </pc:spChg>
+        <pc:spChg chg="mod">
+          <ac:chgData name="JHEYSON FABIAN VILLAVISAN BUITRAGO" userId="e5ced5c2-d787-455d-b115-4f08a699b8c8" providerId="ADAL" clId="{51B0F79C-F78A-4995-8170-0FDE3358A7F6}" dt="2025-03-25T15:28:07.269" v="376" actId="20577"/>
+          <ac:spMkLst>
+            <pc:docMk/>
+            <pc:sldMk cId="785442396" sldId="287"/>
+            <ac:spMk id="10" creationId="{20E2EDED-74F2-80A5-DCD0-566AF25D0C81}"/>
+          </ac:spMkLst>
+        </pc:spChg>
       </pc:sldChg>
     </pc:docChg>
   </pc:docChgLst>
@@ -766,87 +919,6 @@
         <pc:sldMkLst>
           <pc:docMk/>
           <pc:sldMk cId="2419723712" sldId="288"/>
-        </pc:sldMkLst>
-      </pc:sldChg>
-    </pc:docChg>
-  </pc:docChgLst>
-  <pc:docChgLst>
-    <pc:chgData name="CHRISTIAN FARID CAMPOS GONZALEZ" userId="S::cfcamposg@itc.edu.co::e2af7a5d-6f96-4d58-8d9d-c7b333dcb75c" providerId="AD" clId="Web-{051E1A00-470F-A370-EEE3-4A0CE303ACD9}"/>
-    <pc:docChg chg="sldOrd">
-      <pc:chgData name="CHRISTIAN FARID CAMPOS GONZALEZ" userId="S::cfcamposg@itc.edu.co::e2af7a5d-6f96-4d58-8d9d-c7b333dcb75c" providerId="AD" clId="Web-{051E1A00-470F-A370-EEE3-4A0CE303ACD9}" dt="2024-03-03T17:01:05.428" v="0"/>
-      <pc:docMkLst>
-        <pc:docMk/>
-      </pc:docMkLst>
-      <pc:sldChg chg="ord">
-        <pc:chgData name="CHRISTIAN FARID CAMPOS GONZALEZ" userId="S::cfcamposg@itc.edu.co::e2af7a5d-6f96-4d58-8d9d-c7b333dcb75c" providerId="AD" clId="Web-{051E1A00-470F-A370-EEE3-4A0CE303ACD9}" dt="2024-03-03T17:01:05.428" v="0"/>
-        <pc:sldMkLst>
-          <pc:docMk/>
-          <pc:sldMk cId="2680639377" sldId="275"/>
-        </pc:sldMkLst>
-      </pc:sldChg>
-    </pc:docChg>
-  </pc:docChgLst>
-  <pc:docChgLst>
-    <pc:chgData name="JHEYSON FABIAN VILLAVISAN BUITRAGO" userId="e5ced5c2-d787-455d-b115-4f08a699b8c8" providerId="ADAL" clId="{3985C9E5-81AA-4DDC-888E-805F19B02ED5}"/>
-    <pc:docChg chg="undo custSel addSld delSld modSld modSection">
-      <pc:chgData name="JHEYSON FABIAN VILLAVISAN BUITRAGO" userId="e5ced5c2-d787-455d-b115-4f08a699b8c8" providerId="ADAL" clId="{3985C9E5-81AA-4DDC-888E-805F19B02ED5}" dt="2024-08-06T19:04:24.772" v="434" actId="20577"/>
-      <pc:docMkLst>
-        <pc:docMk/>
-      </pc:docMkLst>
-      <pc:sldChg chg="modSp mod">
-        <pc:chgData name="JHEYSON FABIAN VILLAVISAN BUITRAGO" userId="e5ced5c2-d787-455d-b115-4f08a699b8c8" providerId="ADAL" clId="{3985C9E5-81AA-4DDC-888E-805F19B02ED5}" dt="2024-08-06T19:01:38.512" v="427" actId="20577"/>
-        <pc:sldMkLst>
-          <pc:docMk/>
-          <pc:sldMk cId="0" sldId="261"/>
-        </pc:sldMkLst>
-      </pc:sldChg>
-      <pc:sldChg chg="add del">
-        <pc:chgData name="JHEYSON FABIAN VILLAVISAN BUITRAGO" userId="e5ced5c2-d787-455d-b115-4f08a699b8c8" providerId="ADAL" clId="{3985C9E5-81AA-4DDC-888E-805F19B02ED5}" dt="2024-08-06T19:01:04.375" v="421" actId="47"/>
-        <pc:sldMkLst>
-          <pc:docMk/>
-          <pc:sldMk cId="0" sldId="264"/>
-        </pc:sldMkLst>
-      </pc:sldChg>
-      <pc:sldChg chg="del">
-        <pc:chgData name="JHEYSON FABIAN VILLAVISAN BUITRAGO" userId="e5ced5c2-d787-455d-b115-4f08a699b8c8" providerId="ADAL" clId="{3985C9E5-81AA-4DDC-888E-805F19B02ED5}" dt="2024-08-06T19:01:05.142" v="422" actId="47"/>
-        <pc:sldMkLst>
-          <pc:docMk/>
-          <pc:sldMk cId="0" sldId="265"/>
-        </pc:sldMkLst>
-      </pc:sldChg>
-      <pc:sldChg chg="del">
-        <pc:chgData name="JHEYSON FABIAN VILLAVISAN BUITRAGO" userId="e5ced5c2-d787-455d-b115-4f08a699b8c8" providerId="ADAL" clId="{3985C9E5-81AA-4DDC-888E-805F19B02ED5}" dt="2024-08-06T19:01:05.552" v="423" actId="47"/>
-        <pc:sldMkLst>
-          <pc:docMk/>
-          <pc:sldMk cId="0" sldId="266"/>
-        </pc:sldMkLst>
-      </pc:sldChg>
-      <pc:sldChg chg="del">
-        <pc:chgData name="JHEYSON FABIAN VILLAVISAN BUITRAGO" userId="e5ced5c2-d787-455d-b115-4f08a699b8c8" providerId="ADAL" clId="{3985C9E5-81AA-4DDC-888E-805F19B02ED5}" dt="2024-08-06T19:01:06.084" v="424" actId="47"/>
-        <pc:sldMkLst>
-          <pc:docMk/>
-          <pc:sldMk cId="2680639377" sldId="275"/>
-        </pc:sldMkLst>
-      </pc:sldChg>
-      <pc:sldChg chg="modSp mod">
-        <pc:chgData name="JHEYSON FABIAN VILLAVISAN BUITRAGO" userId="e5ced5c2-d787-455d-b115-4f08a699b8c8" providerId="ADAL" clId="{3985C9E5-81AA-4DDC-888E-805F19B02ED5}" dt="2024-08-06T19:01:13.517" v="426" actId="20577"/>
-        <pc:sldMkLst>
-          <pc:docMk/>
-          <pc:sldMk cId="1955606898" sldId="277"/>
-        </pc:sldMkLst>
-      </pc:sldChg>
-      <pc:sldChg chg="del">
-        <pc:chgData name="JHEYSON FABIAN VILLAVISAN BUITRAGO" userId="e5ced5c2-d787-455d-b115-4f08a699b8c8" providerId="ADAL" clId="{3985C9E5-81AA-4DDC-888E-805F19B02ED5}" dt="2024-08-06T19:01:08.008" v="425" actId="47"/>
-        <pc:sldMkLst>
-          <pc:docMk/>
-          <pc:sldMk cId="3765501484" sldId="279"/>
-        </pc:sldMkLst>
-      </pc:sldChg>
-      <pc:sldChg chg="addSp delSp modSp mod">
-        <pc:chgData name="JHEYSON FABIAN VILLAVISAN BUITRAGO" userId="e5ced5c2-d787-455d-b115-4f08a699b8c8" providerId="ADAL" clId="{3985C9E5-81AA-4DDC-888E-805F19B02ED5}" dt="2024-08-06T19:04:24.772" v="434" actId="20577"/>
-        <pc:sldMkLst>
-          <pc:docMk/>
-          <pc:sldMk cId="2965408220" sldId="280"/>
         </pc:sldMkLst>
       </pc:sldChg>
     </pc:docChg>
@@ -1071,7 +1143,7 @@
               <a:pPr>
                 <a:defRPr/>
               </a:pPr>
-              <a:t>10/02/2025</a:t>
+              <a:t>25/03/2025</a:t>
             </a:fld>
             <a:endParaRPr lang="es-CO"/>
           </a:p>
@@ -1314,7 +1386,7 @@
               <a:pPr>
                 <a:defRPr/>
               </a:pPr>
-              <a:t>10/02/2025</a:t>
+              <a:t>25/03/2025</a:t>
             </a:fld>
             <a:endParaRPr lang="es-CO"/>
           </a:p>
@@ -2390,7 +2462,7 @@
           <a:p>
             <a:fld id="{9CF7635E-2D71-42E7-9E6C-FBB85A15A85F}" type="datetimeFigureOut">
               <a:rPr lang="es-CO" smtClean="0"/>
-              <a:t>10/02/2025</a:t>
+              <a:t>25/03/2025</a:t>
             </a:fld>
             <a:endParaRPr lang="es-CO"/>
           </a:p>
@@ -2656,7 +2728,7 @@
           <a:p>
             <a:fld id="{9CF7635E-2D71-42E7-9E6C-FBB85A15A85F}" type="datetimeFigureOut">
               <a:rPr lang="es-CO" smtClean="0"/>
-              <a:t>10/02/2025</a:t>
+              <a:t>25/03/2025</a:t>
             </a:fld>
             <a:endParaRPr lang="es-CO"/>
           </a:p>
@@ -2872,7 +2944,7 @@
           <a:p>
             <a:fld id="{9CF7635E-2D71-42E7-9E6C-FBB85A15A85F}" type="datetimeFigureOut">
               <a:rPr lang="es-CO" smtClean="0"/>
-              <a:t>10/02/2025</a:t>
+              <a:t>25/03/2025</a:t>
             </a:fld>
             <a:endParaRPr lang="es-CO"/>
           </a:p>
@@ -4501,7 +4573,7 @@
           <a:p>
             <a:fld id="{9CF7635E-2D71-42E7-9E6C-FBB85A15A85F}" type="datetimeFigureOut">
               <a:rPr lang="es-CO" smtClean="0"/>
-              <a:t>10/02/2025</a:t>
+              <a:t>25/03/2025</a:t>
             </a:fld>
             <a:endParaRPr lang="es-CO"/>
           </a:p>
@@ -4948,7 +5020,7 @@
           <a:p>
             <a:fld id="{9CF7635E-2D71-42E7-9E6C-FBB85A15A85F}" type="datetimeFigureOut">
               <a:rPr lang="es-CO" smtClean="0"/>
-              <a:t>10/02/2025</a:t>
+              <a:t>25/03/2025</a:t>
             </a:fld>
             <a:endParaRPr lang="es-CO"/>
           </a:p>
@@ -5222,7 +5294,7 @@
           <a:p>
             <a:fld id="{9CF7635E-2D71-42E7-9E6C-FBB85A15A85F}" type="datetimeFigureOut">
               <a:rPr lang="es-CO" smtClean="0"/>
-              <a:t>10/02/2025</a:t>
+              <a:t>25/03/2025</a:t>
             </a:fld>
             <a:endParaRPr lang="es-CO"/>
           </a:p>
@@ -5643,7 +5715,7 @@
           <a:p>
             <a:fld id="{9CF7635E-2D71-42E7-9E6C-FBB85A15A85F}" type="datetimeFigureOut">
               <a:rPr lang="es-CO" smtClean="0"/>
-              <a:t>10/02/2025</a:t>
+              <a:t>25/03/2025</a:t>
             </a:fld>
             <a:endParaRPr lang="es-CO"/>
           </a:p>
@@ -5791,7 +5863,7 @@
           <a:p>
             <a:fld id="{9CF7635E-2D71-42E7-9E6C-FBB85A15A85F}" type="datetimeFigureOut">
               <a:rPr lang="es-CO" smtClean="0"/>
-              <a:t>10/02/2025</a:t>
+              <a:t>25/03/2025</a:t>
             </a:fld>
             <a:endParaRPr lang="es-CO"/>
           </a:p>
@@ -5910,7 +5982,7 @@
           <a:p>
             <a:fld id="{9CF7635E-2D71-42E7-9E6C-FBB85A15A85F}" type="datetimeFigureOut">
               <a:rPr lang="es-CO" smtClean="0"/>
-              <a:t>10/02/2025</a:t>
+              <a:t>25/03/2025</a:t>
             </a:fld>
             <a:endParaRPr lang="es-CO"/>
           </a:p>
@@ -6229,7 +6301,7 @@
           <a:p>
             <a:fld id="{9CF7635E-2D71-42E7-9E6C-FBB85A15A85F}" type="datetimeFigureOut">
               <a:rPr lang="es-CO" smtClean="0"/>
-              <a:t>10/02/2025</a:t>
+              <a:t>25/03/2025</a:t>
             </a:fld>
             <a:endParaRPr lang="es-CO"/>
           </a:p>
@@ -6524,7 +6596,7 @@
           <a:p>
             <a:fld id="{9CF7635E-2D71-42E7-9E6C-FBB85A15A85F}" type="datetimeFigureOut">
               <a:rPr lang="es-CO" smtClean="0"/>
-              <a:t>10/02/2025</a:t>
+              <a:t>25/03/2025</a:t>
             </a:fld>
             <a:endParaRPr lang="es-CO"/>
           </a:p>
@@ -6773,7 +6845,7 @@
           <a:p>
             <a:fld id="{9CF7635E-2D71-42E7-9E6C-FBB85A15A85F}" type="datetimeFigureOut">
               <a:rPr lang="es-CO" smtClean="0"/>
-              <a:t>10/02/2025</a:t>
+              <a:t>25/03/2025</a:t>
             </a:fld>
             <a:endParaRPr lang="es-CO"/>
           </a:p>
@@ -12709,6 +12781,659 @@
         <p:cNvPr id="1" name="">
           <a:extLst>
             <a:ext uri="{FF2B5EF4-FFF2-40B4-BE49-F238E27FC236}">
+              <a16:creationId xmlns:a16="http://schemas.microsoft.com/office/drawing/2014/main" id="{205EF805-F483-8BF6-78FC-60384784DA21}"/>
+            </a:ext>
+          </a:extLst>
+        </p:cNvPr>
+        <p:cNvGrpSpPr/>
+        <p:nvPr/>
+      </p:nvGrpSpPr>
+      <p:grpSpPr>
+        <a:xfrm>
+          <a:off x="0" y="0"/>
+          <a:ext cx="0" cy="0"/>
+          <a:chOff x="0" y="0"/>
+          <a:chExt cx="0" cy="0"/>
+        </a:xfrm>
+      </p:grpSpPr>
+      <p:sp>
+        <p:nvSpPr>
+          <p:cNvPr id="2" name="Título 1">
+            <a:extLst>
+              <a:ext uri="{FF2B5EF4-FFF2-40B4-BE49-F238E27FC236}">
+                <a16:creationId xmlns:a16="http://schemas.microsoft.com/office/drawing/2014/main" id="{5FF4961B-D7D4-8FFE-796A-C79202D88CFC}"/>
+              </a:ext>
+            </a:extLst>
+          </p:cNvPr>
+          <p:cNvSpPr>
+            <a:spLocks noGrp="1"/>
+          </p:cNvSpPr>
+          <p:nvPr>
+            <p:ph type="title"/>
+          </p:nvPr>
+        </p:nvSpPr>
+        <p:spPr>
+          <a:xfrm>
+            <a:off x="1032565" y="1126313"/>
+            <a:ext cx="5987707" cy="1162050"/>
+          </a:xfrm>
+        </p:spPr>
+        <p:txBody>
+          <a:bodyPr>
+            <a:normAutofit/>
+          </a:bodyPr>
+          <a:lstStyle/>
+          <a:p>
+            <a:pPr algn="l">
+              <a:spcBef>
+                <a:spcPts val="750"/>
+              </a:spcBef>
+              <a:spcAft>
+                <a:spcPts val="750"/>
+              </a:spcAft>
+            </a:pPr>
+            <a:r>
+              <a:rPr lang="en-US" sz="3200" b="1" i="0" dirty="0" err="1">
+                <a:effectLst/>
+              </a:rPr>
+              <a:t>Ejercicio</a:t>
+            </a:r>
+            <a:endParaRPr lang="en-US" sz="3200" b="1" i="0" dirty="0">
+              <a:effectLst/>
+            </a:endParaRPr>
+          </a:p>
+        </p:txBody>
+      </p:sp>
+      <p:sp>
+        <p:nvSpPr>
+          <p:cNvPr id="4" name="Marcador de texto 3">
+            <a:extLst>
+              <a:ext uri="{FF2B5EF4-FFF2-40B4-BE49-F238E27FC236}">
+                <a16:creationId xmlns:a16="http://schemas.microsoft.com/office/drawing/2014/main" id="{D4B7A90A-8975-9B65-47F7-E7765E998ECB}"/>
+              </a:ext>
+            </a:extLst>
+          </p:cNvPr>
+          <p:cNvSpPr>
+            <a:spLocks noGrp="1"/>
+          </p:cNvSpPr>
+          <p:nvPr>
+            <p:ph type="body" sz="half" idx="2"/>
+          </p:nvPr>
+        </p:nvSpPr>
+        <p:spPr>
+          <a:xfrm>
+            <a:off x="899592" y="2288363"/>
+            <a:ext cx="7432589" cy="1605049"/>
+          </a:xfrm>
+        </p:spPr>
+        <p:txBody>
+          <a:bodyPr>
+            <a:noAutofit/>
+          </a:bodyPr>
+          <a:lstStyle/>
+          <a:p>
+            <a:pPr algn="l"/>
+            <a:r>
+              <a:rPr lang="es-CO" sz="1800" b="1" noProof="0" dirty="0">
+                <a:latin typeface="+mj-lt"/>
+              </a:rPr>
+              <a:t>Diseñe un algoritmo que cuente hasta 10 pulsos en un botón y cuando llegue a 10 apague un led. Cuando vuelva a iniciar la cuenta el led vuelve </a:t>
+            </a:r>
+            <a:r>
+              <a:rPr lang="es-CO" sz="1800" b="1" noProof="0">
+                <a:latin typeface="+mj-lt"/>
+              </a:rPr>
+              <a:t>a encenderse</a:t>
+            </a:r>
+            <a:endParaRPr lang="es-CO" sz="1800" b="1" noProof="0" dirty="0">
+              <a:latin typeface="+mj-lt"/>
+            </a:endParaRPr>
+          </a:p>
+          <a:p>
+            <a:pPr algn="l"/>
+            <a:r>
+              <a:rPr lang="es-CO" sz="1800" b="1" dirty="0">
+                <a:latin typeface="+mj-lt"/>
+              </a:rPr>
+              <a:t>Requerimientos:</a:t>
+            </a:r>
+          </a:p>
+          <a:p>
+            <a:pPr algn="l"/>
+            <a:r>
+              <a:rPr lang="es-CO" sz="1800" b="1" noProof="0" dirty="0">
+                <a:latin typeface="+mj-lt"/>
+              </a:rPr>
+              <a:t>No usar </a:t>
+            </a:r>
+            <a:r>
+              <a:rPr lang="es-CO" sz="1800" b="1" noProof="0" dirty="0" err="1">
+                <a:latin typeface="+mj-lt"/>
+              </a:rPr>
+              <a:t>Delay</a:t>
+            </a:r>
+            <a:endParaRPr lang="es-CO" sz="1800" b="1" noProof="0" dirty="0">
+              <a:latin typeface="+mj-lt"/>
+            </a:endParaRPr>
+          </a:p>
+          <a:p>
+            <a:pPr algn="l"/>
+            <a:r>
+              <a:rPr lang="es-CO" sz="1800" b="1" dirty="0">
+                <a:latin typeface="+mj-lt"/>
+              </a:rPr>
+              <a:t>Si se desconecta el microcontrolador de la fuente de alimentación, debe retener la el valor de la cuenta.</a:t>
+            </a:r>
+          </a:p>
+          <a:p>
+            <a:pPr algn="l"/>
+            <a:endParaRPr lang="es-CO" sz="1800" b="1" noProof="0" dirty="0">
+              <a:latin typeface="+mj-lt"/>
+            </a:endParaRPr>
+          </a:p>
+          <a:p>
+            <a:pPr algn="l"/>
+            <a:endParaRPr lang="es-CO" sz="1800" b="1" noProof="0" dirty="0">
+              <a:latin typeface="+mj-lt"/>
+            </a:endParaRPr>
+          </a:p>
+        </p:txBody>
+      </p:sp>
+      <p:sp>
+        <p:nvSpPr>
+          <p:cNvPr id="10" name="1 Título">
+            <a:extLst>
+              <a:ext uri="{FF2B5EF4-FFF2-40B4-BE49-F238E27FC236}">
+                <a16:creationId xmlns:a16="http://schemas.microsoft.com/office/drawing/2014/main" id="{20E2EDED-74F2-80A5-DCD0-566AF25D0C81}"/>
+              </a:ext>
+            </a:extLst>
+          </p:cNvPr>
+          <p:cNvSpPr txBox="1">
+            <a:spLocks/>
+          </p:cNvSpPr>
+          <p:nvPr/>
+        </p:nvSpPr>
+        <p:spPr bwMode="auto">
+          <a:xfrm>
+            <a:off x="0" y="-28575"/>
+            <a:ext cx="779463" cy="720725"/>
+          </a:xfrm>
+          <a:prstGeom prst="rect">
+            <a:avLst/>
+          </a:prstGeom>
+          <a:noFill/>
+          <a:ln>
+            <a:noFill/>
+          </a:ln>
+          <a:extLst>
+            <a:ext uri="{909E8E84-426E-40DD-AFC4-6F175D3DCCD1}">
+              <a14:hiddenFill xmlns:a14="http://schemas.microsoft.com/office/drawing/2010/main">
+                <a:solidFill>
+                  <a:srgbClr val="FFFFFF"/>
+                </a:solidFill>
+              </a14:hiddenFill>
+            </a:ext>
+            <a:ext uri="{91240B29-F687-4F45-9708-019B960494DF}">
+              <a14:hiddenLine xmlns:a14="http://schemas.microsoft.com/office/drawing/2010/main" w="9525">
+                <a:solidFill>
+                  <a:srgbClr val="000000"/>
+                </a:solidFill>
+                <a:miter lim="800000"/>
+                <a:headEnd/>
+                <a:tailEnd/>
+              </a14:hiddenLine>
+            </a:ext>
+          </a:extLst>
+        </p:spPr>
+        <p:txBody>
+          <a:bodyPr vert="horz" wrap="square" lIns="91440" tIns="45720" rIns="91440" bIns="45720" numCol="1" anchor="b" anchorCtr="0" compatLnSpc="1">
+            <a:prstTxWarp prst="textNoShape">
+              <a:avLst/>
+            </a:prstTxWarp>
+          </a:bodyPr>
+          <a:lstStyle>
+            <a:lvl1pPr algn="l" rtl="0" eaLnBrk="0" fontAlgn="base" hangingPunct="0">
+              <a:spcBef>
+                <a:spcPct val="0"/>
+              </a:spcBef>
+              <a:spcAft>
+                <a:spcPct val="0"/>
+              </a:spcAft>
+              <a:defRPr sz="2000" b="1" kern="1200">
+                <a:solidFill>
+                  <a:schemeClr val="tx1"/>
+                </a:solidFill>
+                <a:latin typeface="Arial" pitchFamily="34" charset="0"/>
+                <a:ea typeface="+mj-ea"/>
+                <a:cs typeface="Arial" pitchFamily="34" charset="0"/>
+              </a:defRPr>
+            </a:lvl1pPr>
+            <a:lvl2pPr algn="l" rtl="0" eaLnBrk="0" fontAlgn="base" hangingPunct="0">
+              <a:spcBef>
+                <a:spcPct val="0"/>
+              </a:spcBef>
+              <a:spcAft>
+                <a:spcPct val="0"/>
+              </a:spcAft>
+              <a:defRPr sz="4400">
+                <a:solidFill>
+                  <a:schemeClr val="tx1"/>
+                </a:solidFill>
+                <a:latin typeface="Arial" charset="0"/>
+                <a:cs typeface="Arial" charset="0"/>
+              </a:defRPr>
+            </a:lvl2pPr>
+            <a:lvl3pPr algn="l" rtl="0" eaLnBrk="0" fontAlgn="base" hangingPunct="0">
+              <a:spcBef>
+                <a:spcPct val="0"/>
+              </a:spcBef>
+              <a:spcAft>
+                <a:spcPct val="0"/>
+              </a:spcAft>
+              <a:defRPr sz="4400">
+                <a:solidFill>
+                  <a:schemeClr val="tx1"/>
+                </a:solidFill>
+                <a:latin typeface="Arial" charset="0"/>
+                <a:cs typeface="Arial" charset="0"/>
+              </a:defRPr>
+            </a:lvl3pPr>
+            <a:lvl4pPr algn="l" rtl="0" eaLnBrk="0" fontAlgn="base" hangingPunct="0">
+              <a:spcBef>
+                <a:spcPct val="0"/>
+              </a:spcBef>
+              <a:spcAft>
+                <a:spcPct val="0"/>
+              </a:spcAft>
+              <a:defRPr sz="4400">
+                <a:solidFill>
+                  <a:schemeClr val="tx1"/>
+                </a:solidFill>
+                <a:latin typeface="Arial" charset="0"/>
+                <a:cs typeface="Arial" charset="0"/>
+              </a:defRPr>
+            </a:lvl4pPr>
+            <a:lvl5pPr algn="l" rtl="0" eaLnBrk="0" fontAlgn="base" hangingPunct="0">
+              <a:spcBef>
+                <a:spcPct val="0"/>
+              </a:spcBef>
+              <a:spcAft>
+                <a:spcPct val="0"/>
+              </a:spcAft>
+              <a:defRPr sz="4400">
+                <a:solidFill>
+                  <a:schemeClr val="tx1"/>
+                </a:solidFill>
+                <a:latin typeface="Arial" charset="0"/>
+                <a:cs typeface="Arial" charset="0"/>
+              </a:defRPr>
+            </a:lvl5pPr>
+            <a:lvl6pPr marL="457200" algn="l" rtl="0" fontAlgn="base">
+              <a:spcBef>
+                <a:spcPct val="0"/>
+              </a:spcBef>
+              <a:spcAft>
+                <a:spcPct val="0"/>
+              </a:spcAft>
+              <a:defRPr sz="4400">
+                <a:solidFill>
+                  <a:schemeClr val="tx1"/>
+                </a:solidFill>
+                <a:latin typeface="Arial" charset="0"/>
+                <a:cs typeface="Arial" charset="0"/>
+              </a:defRPr>
+            </a:lvl6pPr>
+            <a:lvl7pPr marL="914400" algn="l" rtl="0" fontAlgn="base">
+              <a:spcBef>
+                <a:spcPct val="0"/>
+              </a:spcBef>
+              <a:spcAft>
+                <a:spcPct val="0"/>
+              </a:spcAft>
+              <a:defRPr sz="4400">
+                <a:solidFill>
+                  <a:schemeClr val="tx1"/>
+                </a:solidFill>
+                <a:latin typeface="Arial" charset="0"/>
+                <a:cs typeface="Arial" charset="0"/>
+              </a:defRPr>
+            </a:lvl7pPr>
+            <a:lvl8pPr marL="1371600" algn="l" rtl="0" fontAlgn="base">
+              <a:spcBef>
+                <a:spcPct val="0"/>
+              </a:spcBef>
+              <a:spcAft>
+                <a:spcPct val="0"/>
+              </a:spcAft>
+              <a:defRPr sz="4400">
+                <a:solidFill>
+                  <a:schemeClr val="tx1"/>
+                </a:solidFill>
+                <a:latin typeface="Arial" charset="0"/>
+                <a:cs typeface="Arial" charset="0"/>
+              </a:defRPr>
+            </a:lvl8pPr>
+            <a:lvl9pPr marL="1828800" algn="l" rtl="0" fontAlgn="base">
+              <a:spcBef>
+                <a:spcPct val="0"/>
+              </a:spcBef>
+              <a:spcAft>
+                <a:spcPct val="0"/>
+              </a:spcAft>
+              <a:defRPr sz="4400">
+                <a:solidFill>
+                  <a:schemeClr val="tx1"/>
+                </a:solidFill>
+                <a:latin typeface="Arial" charset="0"/>
+                <a:cs typeface="Arial" charset="0"/>
+              </a:defRPr>
+            </a:lvl9pPr>
+          </a:lstStyle>
+          <a:p>
+            <a:pPr algn="ctr" eaLnBrk="1" hangingPunct="1"/>
+            <a:r>
+              <a:rPr lang="es-CO" altLang="es-CO" sz="3200" b="0" dirty="0"/>
+              <a:t>4</a:t>
+            </a:r>
+            <a:endParaRPr lang="es-CO" altLang="es-CO" sz="3600" b="0" dirty="0"/>
+          </a:p>
+        </p:txBody>
+      </p:sp>
+      <p:pic>
+        <p:nvPicPr>
+          <p:cNvPr id="14" name="Picture 4" descr="Programas - Intranet ETITC">
+            <a:extLst>
+              <a:ext uri="{FF2B5EF4-FFF2-40B4-BE49-F238E27FC236}">
+                <a16:creationId xmlns:a16="http://schemas.microsoft.com/office/drawing/2014/main" id="{05716AF8-6AC0-9161-5BCC-BB83075DA5A1}"/>
+              </a:ext>
+            </a:extLst>
+          </p:cNvPr>
+          <p:cNvPicPr>
+            <a:picLocks noChangeAspect="1" noChangeArrowheads="1"/>
+          </p:cNvPicPr>
+          <p:nvPr/>
+        </p:nvPicPr>
+        <p:blipFill>
+          <a:blip r:embed="rId2">
+            <a:extLst>
+              <a:ext uri="{28A0092B-C50C-407E-A947-70E740481C1C}">
+                <a14:useLocalDpi xmlns:a14="http://schemas.microsoft.com/office/drawing/2010/main" val="0"/>
+              </a:ext>
+            </a:extLst>
+          </a:blip>
+          <a:srcRect/>
+          <a:stretch>
+            <a:fillRect/>
+          </a:stretch>
+        </p:blipFill>
+        <p:spPr bwMode="auto">
+          <a:xfrm>
+            <a:off x="795338" y="44758"/>
+            <a:ext cx="2483768" cy="794720"/>
+          </a:xfrm>
+          <a:prstGeom prst="rect">
+            <a:avLst/>
+          </a:prstGeom>
+          <a:noFill/>
+          <a:extLst>
+            <a:ext uri="{909E8E84-426E-40DD-AFC4-6F175D3DCCD1}">
+              <a14:hiddenFill xmlns:a14="http://schemas.microsoft.com/office/drawing/2010/main">
+                <a:solidFill>
+                  <a:srgbClr val="FFFFFF"/>
+                </a:solidFill>
+              </a14:hiddenFill>
+            </a:ext>
+          </a:extLst>
+        </p:spPr>
+      </p:pic>
+      <p:sp>
+        <p:nvSpPr>
+          <p:cNvPr id="5" name="2 Subtítulo">
+            <a:extLst>
+              <a:ext uri="{FF2B5EF4-FFF2-40B4-BE49-F238E27FC236}">
+                <a16:creationId xmlns:a16="http://schemas.microsoft.com/office/drawing/2014/main" id="{33987CFD-4F0C-F881-B1D3-761619DF6F1D}"/>
+              </a:ext>
+            </a:extLst>
+          </p:cNvPr>
+          <p:cNvSpPr txBox="1">
+            <a:spLocks/>
+          </p:cNvSpPr>
+          <p:nvPr/>
+        </p:nvSpPr>
+        <p:spPr bwMode="auto">
+          <a:xfrm>
+            <a:off x="2267744" y="259824"/>
+            <a:ext cx="6400800" cy="500063"/>
+          </a:xfrm>
+          <a:prstGeom prst="rect">
+            <a:avLst/>
+          </a:prstGeom>
+          <a:noFill/>
+          <a:ln>
+            <a:noFill/>
+          </a:ln>
+          <a:extLst>
+            <a:ext uri="{909E8E84-426E-40DD-AFC4-6F175D3DCCD1}">
+              <a14:hiddenFill xmlns:a14="http://schemas.microsoft.com/office/drawing/2010/main">
+                <a:solidFill>
+                  <a:srgbClr val="FFFFFF"/>
+                </a:solidFill>
+              </a14:hiddenFill>
+            </a:ext>
+            <a:ext uri="{91240B29-F687-4F45-9708-019B960494DF}">
+              <a14:hiddenLine xmlns:a14="http://schemas.microsoft.com/office/drawing/2010/main" w="9525">
+                <a:solidFill>
+                  <a:srgbClr val="000000"/>
+                </a:solidFill>
+                <a:miter lim="800000"/>
+                <a:headEnd/>
+                <a:tailEnd/>
+              </a14:hiddenLine>
+            </a:ext>
+          </a:extLst>
+        </p:spPr>
+        <p:txBody>
+          <a:bodyPr vert="horz" wrap="square" lIns="91440" tIns="45720" rIns="91440" bIns="45720" numCol="1" rtlCol="0" anchor="t" anchorCtr="0" compatLnSpc="1">
+            <a:prstTxWarp prst="textNoShape">
+              <a:avLst/>
+            </a:prstTxWarp>
+            <a:noAutofit/>
+          </a:bodyPr>
+          <a:lstStyle>
+            <a:lvl1pPr marL="342900" indent="-342900" algn="l" rtl="0" eaLnBrk="0" fontAlgn="base" hangingPunct="0">
+              <a:spcBef>
+                <a:spcPct val="20000"/>
+              </a:spcBef>
+              <a:spcAft>
+                <a:spcPct val="0"/>
+              </a:spcAft>
+              <a:buFont typeface="Arial" panose="020B0604020202020204" pitchFamily="34" charset="0"/>
+              <a:buChar char="•"/>
+              <a:defRPr sz="3200" kern="1200">
+                <a:solidFill>
+                  <a:schemeClr val="tx1"/>
+                </a:solidFill>
+                <a:latin typeface="Arial" pitchFamily="34" charset="0"/>
+                <a:ea typeface="+mn-ea"/>
+                <a:cs typeface="Arial" pitchFamily="34" charset="0"/>
+              </a:defRPr>
+            </a:lvl1pPr>
+            <a:lvl2pPr marL="742950" indent="-285750" algn="l" rtl="0" eaLnBrk="0" fontAlgn="base" hangingPunct="0">
+              <a:spcBef>
+                <a:spcPct val="20000"/>
+              </a:spcBef>
+              <a:spcAft>
+                <a:spcPct val="0"/>
+              </a:spcAft>
+              <a:buFont typeface="Arial" panose="020B0604020202020204" pitchFamily="34" charset="0"/>
+              <a:buChar char="–"/>
+              <a:defRPr sz="2800" kern="1200">
+                <a:solidFill>
+                  <a:schemeClr val="tx1"/>
+                </a:solidFill>
+                <a:latin typeface="Arial" pitchFamily="34" charset="0"/>
+                <a:ea typeface="+mn-ea"/>
+                <a:cs typeface="Arial" pitchFamily="34" charset="0"/>
+              </a:defRPr>
+            </a:lvl2pPr>
+            <a:lvl3pPr marL="1143000" indent="-228600" algn="l" rtl="0" eaLnBrk="0" fontAlgn="base" hangingPunct="0">
+              <a:spcBef>
+                <a:spcPct val="20000"/>
+              </a:spcBef>
+              <a:spcAft>
+                <a:spcPct val="0"/>
+              </a:spcAft>
+              <a:buFont typeface="Arial" panose="020B0604020202020204" pitchFamily="34" charset="0"/>
+              <a:buChar char="•"/>
+              <a:defRPr sz="2400" kern="1200">
+                <a:solidFill>
+                  <a:schemeClr val="tx1"/>
+                </a:solidFill>
+                <a:latin typeface="Arial" pitchFamily="34" charset="0"/>
+                <a:ea typeface="+mn-ea"/>
+                <a:cs typeface="Arial" pitchFamily="34" charset="0"/>
+              </a:defRPr>
+            </a:lvl3pPr>
+            <a:lvl4pPr marL="1600200" indent="-228600" algn="l" rtl="0" eaLnBrk="0" fontAlgn="base" hangingPunct="0">
+              <a:spcBef>
+                <a:spcPct val="20000"/>
+              </a:spcBef>
+              <a:spcAft>
+                <a:spcPct val="0"/>
+              </a:spcAft>
+              <a:buFont typeface="Arial" panose="020B0604020202020204" pitchFamily="34" charset="0"/>
+              <a:buChar char="–"/>
+              <a:defRPr sz="2000" kern="1200">
+                <a:solidFill>
+                  <a:schemeClr val="tx1"/>
+                </a:solidFill>
+                <a:latin typeface="Arial" pitchFamily="34" charset="0"/>
+                <a:ea typeface="+mn-ea"/>
+                <a:cs typeface="Arial" pitchFamily="34" charset="0"/>
+              </a:defRPr>
+            </a:lvl4pPr>
+            <a:lvl5pPr marL="2057400" indent="-228600" algn="l" rtl="0" eaLnBrk="0" fontAlgn="base" hangingPunct="0">
+              <a:spcBef>
+                <a:spcPct val="20000"/>
+              </a:spcBef>
+              <a:spcAft>
+                <a:spcPct val="0"/>
+              </a:spcAft>
+              <a:buFont typeface="Arial" panose="020B0604020202020204" pitchFamily="34" charset="0"/>
+              <a:buChar char="»"/>
+              <a:defRPr sz="2000" kern="1200">
+                <a:solidFill>
+                  <a:schemeClr val="tx1"/>
+                </a:solidFill>
+                <a:latin typeface="Arial" pitchFamily="34" charset="0"/>
+                <a:ea typeface="+mn-ea"/>
+                <a:cs typeface="Arial" pitchFamily="34" charset="0"/>
+              </a:defRPr>
+            </a:lvl5pPr>
+            <a:lvl6pPr marL="2514600" indent="-228600" algn="l" defTabSz="914400" rtl="0" eaLnBrk="1" latinLnBrk="0" hangingPunct="1">
+              <a:spcBef>
+                <a:spcPct val="20000"/>
+              </a:spcBef>
+              <a:buFont typeface="Arial" pitchFamily="34" charset="0"/>
+              <a:buChar char="•"/>
+              <a:defRPr sz="2000" kern="1200">
+                <a:solidFill>
+                  <a:schemeClr val="tx1"/>
+                </a:solidFill>
+                <a:latin typeface="+mn-lt"/>
+                <a:ea typeface="+mn-ea"/>
+                <a:cs typeface="+mn-cs"/>
+              </a:defRPr>
+            </a:lvl6pPr>
+            <a:lvl7pPr marL="2971800" indent="-228600" algn="l" defTabSz="914400" rtl="0" eaLnBrk="1" latinLnBrk="0" hangingPunct="1">
+              <a:spcBef>
+                <a:spcPct val="20000"/>
+              </a:spcBef>
+              <a:buFont typeface="Arial" pitchFamily="34" charset="0"/>
+              <a:buChar char="•"/>
+              <a:defRPr sz="2000" kern="1200">
+                <a:solidFill>
+                  <a:schemeClr val="tx1"/>
+                </a:solidFill>
+                <a:latin typeface="+mn-lt"/>
+                <a:ea typeface="+mn-ea"/>
+                <a:cs typeface="+mn-cs"/>
+              </a:defRPr>
+            </a:lvl7pPr>
+            <a:lvl8pPr marL="3429000" indent="-228600" algn="l" defTabSz="914400" rtl="0" eaLnBrk="1" latinLnBrk="0" hangingPunct="1">
+              <a:spcBef>
+                <a:spcPct val="20000"/>
+              </a:spcBef>
+              <a:buFont typeface="Arial" pitchFamily="34" charset="0"/>
+              <a:buChar char="•"/>
+              <a:defRPr sz="2000" kern="1200">
+                <a:solidFill>
+                  <a:schemeClr val="tx1"/>
+                </a:solidFill>
+                <a:latin typeface="+mn-lt"/>
+                <a:ea typeface="+mn-ea"/>
+                <a:cs typeface="+mn-cs"/>
+              </a:defRPr>
+            </a:lvl8pPr>
+            <a:lvl9pPr marL="3886200" indent="-228600" algn="l" defTabSz="914400" rtl="0" eaLnBrk="1" latinLnBrk="0" hangingPunct="1">
+              <a:spcBef>
+                <a:spcPct val="20000"/>
+              </a:spcBef>
+              <a:buFont typeface="Arial" pitchFamily="34" charset="0"/>
+              <a:buChar char="•"/>
+              <a:defRPr sz="2000" kern="1200">
+                <a:solidFill>
+                  <a:schemeClr val="tx1"/>
+                </a:solidFill>
+                <a:latin typeface="+mn-lt"/>
+                <a:ea typeface="+mn-ea"/>
+                <a:cs typeface="+mn-cs"/>
+              </a:defRPr>
+            </a:lvl9pPr>
+          </a:lstStyle>
+          <a:p>
+            <a:pPr marL="0" indent="0" algn="r" eaLnBrk="1" fontAlgn="auto" hangingPunct="1">
+              <a:spcAft>
+                <a:spcPts val="0"/>
+              </a:spcAft>
+              <a:buNone/>
+              <a:defRPr/>
+            </a:pPr>
+            <a:r>
+              <a:rPr lang="es-CO" sz="2000" b="1" dirty="0">
+                <a:solidFill>
+                  <a:schemeClr val="tx1">
+                    <a:lumMod val="75000"/>
+                    <a:lumOff val="25000"/>
+                  </a:schemeClr>
+                </a:solidFill>
+              </a:rPr>
+              <a:t> 6025 MICROCONTROLADORES</a:t>
+            </a:r>
+          </a:p>
+        </p:txBody>
+      </p:sp>
+    </p:spTree>
+    <p:extLst>
+      <p:ext uri="{BB962C8B-B14F-4D97-AF65-F5344CB8AC3E}">
+        <p14:creationId xmlns:p14="http://schemas.microsoft.com/office/powerpoint/2010/main" val="785442396"/>
+      </p:ext>
+    </p:extLst>
+  </p:cSld>
+  <p:clrMapOvr>
+    <a:masterClrMapping/>
+  </p:clrMapOvr>
+</p:sld>
+</file>
+
+<file path=ppt/slides/slide5.xml><?xml version="1.0" encoding="utf-8"?>
+<p:sld xmlns:a="http://schemas.openxmlformats.org/drawingml/2006/main" xmlns:r="http://schemas.openxmlformats.org/officeDocument/2006/relationships" xmlns:p="http://schemas.openxmlformats.org/presentationml/2006/main">
+  <p:cSld>
+    <p:spTree>
+      <p:nvGrpSpPr>
+        <p:cNvPr id="1" name="">
+          <a:extLst>
+            <a:ext uri="{FF2B5EF4-FFF2-40B4-BE49-F238E27FC236}">
               <a16:creationId xmlns:a16="http://schemas.microsoft.com/office/drawing/2014/main" id="{3B3708A2-FD72-630D-666A-171559AA2F6A}"/>
             </a:ext>
           </a:extLst>
@@ -13120,8 +13845,8 @@
           <a:p>
             <a:pPr algn="ctr" eaLnBrk="1" hangingPunct="1"/>
             <a:r>
-              <a:rPr lang="es-CO" altLang="es-CO" sz="3200" b="0" dirty="0"/>
-              <a:t>4</a:t>
+              <a:rPr lang="es-CO" altLang="es-CO" sz="3200" b="0"/>
+              <a:t>5</a:t>
             </a:r>
             <a:endParaRPr lang="es-CO" altLang="es-CO" sz="3600" b="0" dirty="0"/>
           </a:p>
@@ -14276,23 +15001,6 @@
 </file>
 
 <file path=customXml/item1.xml><?xml version="1.0" encoding="utf-8"?>
-<p:properties xmlns:p="http://schemas.microsoft.com/office/2006/metadata/properties" xmlns:xsi="http://www.w3.org/2001/XMLSchema-instance" xmlns:pc="http://schemas.microsoft.com/office/infopath/2007/PartnerControls">
-  <documentManagement>
-    <_activity xmlns="bdc56f61-abc0-4f7e-bfec-a93ccd1ae886" xsi:nil="true"/>
-  </documentManagement>
-</p:properties>
-</file>
-
-<file path=customXml/item2.xml><?xml version="1.0" encoding="utf-8"?>
-<?mso-contentType ?>
-<FormTemplates xmlns="http://schemas.microsoft.com/sharepoint/v3/contenttype/forms">
-  <Display>DocumentLibraryForm</Display>
-  <Edit>DocumentLibraryForm</Edit>
-  <New>DocumentLibraryForm</New>
-</FormTemplates>
-</file>
-
-<file path=customXml/item3.xml><?xml version="1.0" encoding="utf-8"?>
 <ct:contentTypeSchema xmlns:ct="http://schemas.microsoft.com/office/2006/metadata/contentType" xmlns:ma="http://schemas.microsoft.com/office/2006/metadata/properties/metaAttributes" ct:_="" ma:_="" ma:contentTypeName="Documento" ma:contentTypeID="0x0101007A62137D465CE64A8C883A4664514BF8" ma:contentTypeVersion="15" ma:contentTypeDescription="Crear nuevo documento." ma:contentTypeScope="" ma:versionID="a1bd1d59f691eb9bca6952b111268275">
   <xsd:schema xmlns:xsd="http://www.w3.org/2001/XMLSchema" xmlns:xs="http://www.w3.org/2001/XMLSchema" xmlns:p="http://schemas.microsoft.com/office/2006/metadata/properties" xmlns:ns3="669280c1-d17e-4d1d-bd7f-b4f14cc6bf1d" xmlns:ns4="bdc56f61-abc0-4f7e-bfec-a93ccd1ae886" targetNamespace="http://schemas.microsoft.com/office/2006/metadata/properties" ma:root="true" ma:fieldsID="d02990a02f19f0f9fc7b999b1809cae4" ns3:_="" ns4:_="">
     <xsd:import namespace="669280c1-d17e-4d1d-bd7f-b4f14cc6bf1d"/>
@@ -14527,7 +15235,43 @@
 </ct:contentTypeSchema>
 </file>
 
+<file path=customXml/item2.xml><?xml version="1.0" encoding="utf-8"?>
+<p:properties xmlns:p="http://schemas.microsoft.com/office/2006/metadata/properties" xmlns:xsi="http://www.w3.org/2001/XMLSchema-instance" xmlns:pc="http://schemas.microsoft.com/office/infopath/2007/PartnerControls">
+  <documentManagement>
+    <_activity xmlns="bdc56f61-abc0-4f7e-bfec-a93ccd1ae886" xsi:nil="true"/>
+  </documentManagement>
+</p:properties>
+</file>
+
+<file path=customXml/item3.xml><?xml version="1.0" encoding="utf-8"?>
+<?mso-contentType ?>
+<FormTemplates xmlns="http://schemas.microsoft.com/sharepoint/v3/contenttype/forms">
+  <Display>DocumentLibraryForm</Display>
+  <Edit>DocumentLibraryForm</Edit>
+  <New>DocumentLibraryForm</New>
+</FormTemplates>
+</file>
+
 <file path=customXml/itemProps1.xml><?xml version="1.0" encoding="utf-8"?>
+<ds:datastoreItem xmlns:ds="http://schemas.openxmlformats.org/officeDocument/2006/customXml" ds:itemID="{025820C3-FD82-4EFC-BF14-EAF1F9613F52}">
+  <ds:schemaRefs>
+    <ds:schemaRef ds:uri="http://schemas.microsoft.com/office/2006/metadata/contentType"/>
+    <ds:schemaRef ds:uri="http://schemas.microsoft.com/office/2006/metadata/properties/metaAttributes"/>
+    <ds:schemaRef ds:uri="http://www.w3.org/2001/XMLSchema"/>
+    <ds:schemaRef ds:uri="http://schemas.microsoft.com/office/2006/metadata/properties"/>
+    <ds:schemaRef ds:uri="669280c1-d17e-4d1d-bd7f-b4f14cc6bf1d"/>
+    <ds:schemaRef ds:uri="bdc56f61-abc0-4f7e-bfec-a93ccd1ae886"/>
+    <ds:schemaRef ds:uri="http://schemas.microsoft.com/office/2006/documentManagement/types"/>
+    <ds:schemaRef ds:uri="http://schemas.microsoft.com/office/infopath/2007/PartnerControls"/>
+    <ds:schemaRef ds:uri="http://schemas.openxmlformats.org/package/2006/metadata/core-properties"/>
+    <ds:schemaRef ds:uri="http://purl.org/dc/elements/1.1/"/>
+    <ds:schemaRef ds:uri="http://purl.org/dc/terms/"/>
+    <ds:schemaRef ds:uri="http://schemas.microsoft.com/internal/obd"/>
+  </ds:schemaRefs>
+</ds:datastoreItem>
+</file>
+
+<file path=customXml/itemProps2.xml><?xml version="1.0" encoding="utf-8"?>
 <ds:datastoreItem xmlns:ds="http://schemas.openxmlformats.org/officeDocument/2006/customXml" ds:itemID="{0825853C-1B27-4995-A583-4D39F900BB7F}">
   <ds:schemaRefs>
     <ds:schemaRef ds:uri="http://schemas.microsoft.com/office/2006/documentManagement/types"/>
@@ -14544,29 +15288,10 @@
 </ds:datastoreItem>
 </file>
 
-<file path=customXml/itemProps2.xml><?xml version="1.0" encoding="utf-8"?>
+<file path=customXml/itemProps3.xml><?xml version="1.0" encoding="utf-8"?>
 <ds:datastoreItem xmlns:ds="http://schemas.openxmlformats.org/officeDocument/2006/customXml" ds:itemID="{4E8623C8-32E1-48B0-9F0A-13F2E9582B7E}">
   <ds:schemaRefs>
     <ds:schemaRef ds:uri="http://schemas.microsoft.com/sharepoint/v3/contenttype/forms"/>
   </ds:schemaRefs>
 </ds:datastoreItem>
-</file>
-
-<file path=customXml/itemProps3.xml><?xml version="1.0" encoding="utf-8"?>
-<ds:datastoreItem xmlns:ds="http://schemas.openxmlformats.org/officeDocument/2006/customXml" ds:itemID="{025820C3-FD82-4EFC-BF14-EAF1F9613F52}">
-  <ds:schemaRefs>
-    <ds:schemaRef ds:uri="http://schemas.microsoft.com/office/2006/metadata/contentType"/>
-    <ds:schemaRef ds:uri="http://schemas.microsoft.com/office/2006/metadata/properties/metaAttributes"/>
-    <ds:schemaRef ds:uri="http://www.w3.org/2001/XMLSchema"/>
-    <ds:schemaRef ds:uri="http://schemas.microsoft.com/office/2006/metadata/properties"/>
-    <ds:schemaRef ds:uri="669280c1-d17e-4d1d-bd7f-b4f14cc6bf1d"/>
-    <ds:schemaRef ds:uri="bdc56f61-abc0-4f7e-bfec-a93ccd1ae886"/>
-    <ds:schemaRef ds:uri="http://schemas.microsoft.com/office/2006/documentManagement/types"/>
-    <ds:schemaRef ds:uri="http://schemas.microsoft.com/office/infopath/2007/PartnerControls"/>
-    <ds:schemaRef ds:uri="http://schemas.openxmlformats.org/package/2006/metadata/core-properties"/>
-    <ds:schemaRef ds:uri="http://purl.org/dc/elements/1.1/"/>
-    <ds:schemaRef ds:uri="http://purl.org/dc/terms/"/>
-    <ds:schemaRef ds:uri="http://schemas.microsoft.com/internal/obd"/>
-  </ds:schemaRefs>
-</ds:datastoreItem>
 </file>
--- a/Sesion_3/Sesion_3.pptx
+++ b/Sesion_3/Sesion_3.pptx
@@ -163,7 +163,7 @@
 <file path=ppt/revisionInfo.xml><?xml version="1.0" encoding="utf-8"?>
 <p1510:revInfo xmlns:a="http://schemas.openxmlformats.org/drawingml/2006/main" xmlns:r="http://schemas.openxmlformats.org/officeDocument/2006/relationships" xmlns:p1510="http://schemas.microsoft.com/office/powerpoint/2015/10/main">
   <p1510:revLst>
-    <p1510:client id="{51B0F79C-F78A-4995-8170-0FDE3358A7F6}" v="2" dt="2025-03-25T15:25:43.337"/>
+    <p1510:client id="{51B0F79C-F78A-4995-8170-0FDE3358A7F6}" v="4" dt="2025-03-25T15:32:35.872"/>
   </p1510:revLst>
 </p1510:revInfo>
 </file>
@@ -796,18 +796,18 @@
   <pc:docChgLst>
     <pc:chgData name="JHEYSON FABIAN VILLAVISAN BUITRAGO" userId="e5ced5c2-d787-455d-b115-4f08a699b8c8" providerId="ADAL" clId="{51B0F79C-F78A-4995-8170-0FDE3358A7F6}"/>
     <pc:docChg chg="custSel addSld modSld sldOrd modSection">
-      <pc:chgData name="JHEYSON FABIAN VILLAVISAN BUITRAGO" userId="e5ced5c2-d787-455d-b115-4f08a699b8c8" providerId="ADAL" clId="{51B0F79C-F78A-4995-8170-0FDE3358A7F6}" dt="2025-03-25T15:28:42.035" v="465" actId="20577"/>
+      <pc:chgData name="JHEYSON FABIAN VILLAVISAN BUITRAGO" userId="e5ced5c2-d787-455d-b115-4f08a699b8c8" providerId="ADAL" clId="{51B0F79C-F78A-4995-8170-0FDE3358A7F6}" dt="2025-03-25T15:32:42.126" v="473" actId="13926"/>
       <pc:docMkLst>
         <pc:docMk/>
       </pc:docMkLst>
-      <pc:sldChg chg="modSp">
-        <pc:chgData name="JHEYSON FABIAN VILLAVISAN BUITRAGO" userId="e5ced5c2-d787-455d-b115-4f08a699b8c8" providerId="ADAL" clId="{51B0F79C-F78A-4995-8170-0FDE3358A7F6}" dt="2025-03-25T15:25:41.778" v="0" actId="21"/>
+      <pc:sldChg chg="modSp mod">
+        <pc:chgData name="JHEYSON FABIAN VILLAVISAN BUITRAGO" userId="e5ced5c2-d787-455d-b115-4f08a699b8c8" providerId="ADAL" clId="{51B0F79C-F78A-4995-8170-0FDE3358A7F6}" dt="2025-03-25T15:32:42.126" v="473" actId="13926"/>
         <pc:sldMkLst>
           <pc:docMk/>
           <pc:sldMk cId="2965408220" sldId="280"/>
         </pc:sldMkLst>
-        <pc:graphicFrameChg chg="mod">
-          <ac:chgData name="JHEYSON FABIAN VILLAVISAN BUITRAGO" userId="e5ced5c2-d787-455d-b115-4f08a699b8c8" providerId="ADAL" clId="{51B0F79C-F78A-4995-8170-0FDE3358A7F6}" dt="2025-03-25T15:25:41.778" v="0" actId="21"/>
+        <pc:graphicFrameChg chg="mod modGraphic">
+          <ac:chgData name="JHEYSON FABIAN VILLAVISAN BUITRAGO" userId="e5ced5c2-d787-455d-b115-4f08a699b8c8" providerId="ADAL" clId="{51B0F79C-F78A-4995-8170-0FDE3358A7F6}" dt="2025-03-25T15:32:42.126" v="473" actId="13926"/>
           <ac:graphicFrameMkLst>
             <pc:docMk/>
             <pc:sldMk cId="2965408220" sldId="280"/>
@@ -8471,7 +8471,13 @@
           <p:cNvGraphicFramePr>
             <a:graphicFrameLocks noGrp="1"/>
           </p:cNvGraphicFramePr>
-          <p:nvPr/>
+          <p:nvPr>
+            <p:extLst>
+              <p:ext uri="{D42A27DB-BD31-4B8C-83A1-F6EECF244321}">
+                <p14:modId xmlns:p14="http://schemas.microsoft.com/office/powerpoint/2010/main" val="3355510263"/>
+              </p:ext>
+            </p:extLst>
+          </p:nvPr>
         </p:nvGraphicFramePr>
         <p:xfrm>
           <a:off x="863588" y="620688"/>
@@ -9285,43 +9291,23 @@
                         <a:defRPr/>
                       </a:pPr>
                       <a:r>
-                        <a:rPr lang="es-CO" sz="1000" dirty="0" err="1">
-                          <a:highlight>
-                            <a:srgbClr val="00FFFF"/>
-                          </a:highlight>
-                        </a:rPr>
+                        <a:rPr lang="es-CO" sz="1000" dirty="0" err="1"/>
                         <a:t>PSoC</a:t>
                       </a:r>
                       <a:r>
-                        <a:rPr lang="es-CO" sz="1000" dirty="0">
-                          <a:highlight>
-                            <a:srgbClr val="00FFFF"/>
-                          </a:highlight>
-                        </a:rPr>
+                        <a:rPr lang="es-CO" sz="1000" dirty="0"/>
                         <a:t> </a:t>
                       </a:r>
                       <a:r>
-                        <a:rPr lang="es-CO" sz="1000" dirty="0" err="1">
-                          <a:highlight>
-                            <a:srgbClr val="00FFFF"/>
-                          </a:highlight>
-                        </a:rPr>
+                        <a:rPr lang="es-CO" sz="1000" dirty="0" err="1"/>
                         <a:t>Creator</a:t>
                       </a:r>
-                      <a:endParaRPr lang="es-CO" sz="1000" dirty="0">
-                        <a:highlight>
-                          <a:srgbClr val="00FFFF"/>
-                        </a:highlight>
-                      </a:endParaRPr>
+                      <a:endParaRPr lang="es-CO" sz="1000" dirty="0"/>
                     </a:p>
                     <a:p>
                       <a:pPr algn="ctr"/>
                       <a:r>
-                        <a:rPr lang="es-CO" sz="1000" dirty="0">
-                          <a:highlight>
-                            <a:srgbClr val="00FFFF"/>
-                          </a:highlight>
-                        </a:rPr>
+                        <a:rPr lang="es-CO" sz="1000" dirty="0"/>
                         <a:t>GPIO y sistemas Lógico – combinacionales</a:t>
                       </a:r>
                     </a:p>
@@ -9344,34 +9330,10 @@
                         <a:defRPr/>
                       </a:pPr>
                       <a:r>
-                        <a:rPr lang="es-CO" sz="1000" dirty="0" err="1">
-                          <a:highlight>
-                            <a:srgbClr val="00FFFF"/>
-                          </a:highlight>
-                        </a:rPr>
-                        <a:t>Debouncer</a:t>
-                      </a:r>
-                      <a:r>
-                        <a:rPr lang="es-CO" sz="1000" dirty="0">
-                          <a:highlight>
-                            <a:srgbClr val="00FFFF"/>
-                          </a:highlight>
-                        </a:rPr>
-                        <a:t> y </a:t>
-                      </a:r>
-                      <a:r>
-                        <a:rPr lang="es-CO" sz="1000" dirty="0" err="1">
-                          <a:highlight>
-                            <a:srgbClr val="00FFFF"/>
-                          </a:highlight>
-                        </a:rPr>
+                        <a:rPr lang="es-CO" sz="1000" dirty="0" err="1"/>
                         <a:t>Debugging</a:t>
                       </a:r>
-                      <a:endParaRPr lang="es-CO" sz="1000" dirty="0">
-                        <a:highlight>
-                          <a:srgbClr val="00FFFF"/>
-                        </a:highlight>
-                      </a:endParaRPr>
+                      <a:endParaRPr lang="es-CO" sz="1000" dirty="0"/>
                     </a:p>
                   </a:txBody>
                   <a:tcPr>
@@ -9857,8 +9819,28 @@
                     <a:p>
                       <a:pPr algn="ctr"/>
                       <a:r>
-                        <a:rPr lang="es-ES" sz="1000" dirty="0"/>
-                        <a:t>Interrupciones Internas y EEPROM</a:t>
+                        <a:rPr lang="es-ES" sz="1000" dirty="0">
+                          <a:highlight>
+                            <a:srgbClr val="00FFFF"/>
+                          </a:highlight>
+                        </a:rPr>
+                        <a:t>Interrupciones Internas, </a:t>
+                      </a:r>
+                      <a:r>
+                        <a:rPr lang="es-CO" sz="1000" dirty="0" err="1">
+                          <a:highlight>
+                            <a:srgbClr val="00FFFF"/>
+                          </a:highlight>
+                        </a:rPr>
+                        <a:t>Debouncer</a:t>
+                      </a:r>
+                      <a:r>
+                        <a:rPr lang="es-ES" sz="1000" dirty="0">
+                          <a:highlight>
+                            <a:srgbClr val="00FFFF"/>
+                          </a:highlight>
+                        </a:rPr>
+                        <a:t> y EEPROM</a:t>
                       </a:r>
                     </a:p>
                   </a:txBody>
@@ -15001,6 +14983,23 @@
 </file>
 
 <file path=customXml/item1.xml><?xml version="1.0" encoding="utf-8"?>
+<?mso-contentType ?>
+<FormTemplates xmlns="http://schemas.microsoft.com/sharepoint/v3/contenttype/forms">
+  <Display>DocumentLibraryForm</Display>
+  <Edit>DocumentLibraryForm</Edit>
+  <New>DocumentLibraryForm</New>
+</FormTemplates>
+</file>
+
+<file path=customXml/item2.xml><?xml version="1.0" encoding="utf-8"?>
+<p:properties xmlns:p="http://schemas.microsoft.com/office/2006/metadata/properties" xmlns:xsi="http://www.w3.org/2001/XMLSchema-instance" xmlns:pc="http://schemas.microsoft.com/office/infopath/2007/PartnerControls">
+  <documentManagement>
+    <_activity xmlns="bdc56f61-abc0-4f7e-bfec-a93ccd1ae886" xsi:nil="true"/>
+  </documentManagement>
+</p:properties>
+</file>
+
+<file path=customXml/item3.xml><?xml version="1.0" encoding="utf-8"?>
 <ct:contentTypeSchema xmlns:ct="http://schemas.microsoft.com/office/2006/metadata/contentType" xmlns:ma="http://schemas.microsoft.com/office/2006/metadata/properties/metaAttributes" ct:_="" ma:_="" ma:contentTypeName="Documento" ma:contentTypeID="0x0101007A62137D465CE64A8C883A4664514BF8" ma:contentTypeVersion="15" ma:contentTypeDescription="Crear nuevo documento." ma:contentTypeScope="" ma:versionID="a1bd1d59f691eb9bca6952b111268275">
   <xsd:schema xmlns:xsd="http://www.w3.org/2001/XMLSchema" xmlns:xs="http://www.w3.org/2001/XMLSchema" xmlns:p="http://schemas.microsoft.com/office/2006/metadata/properties" xmlns:ns3="669280c1-d17e-4d1d-bd7f-b4f14cc6bf1d" xmlns:ns4="bdc56f61-abc0-4f7e-bfec-a93ccd1ae886" targetNamespace="http://schemas.microsoft.com/office/2006/metadata/properties" ma:root="true" ma:fieldsID="d02990a02f19f0f9fc7b999b1809cae4" ns3:_="" ns4:_="">
     <xsd:import namespace="669280c1-d17e-4d1d-bd7f-b4f14cc6bf1d"/>
@@ -15235,38 +15234,10 @@
 </ct:contentTypeSchema>
 </file>
 
-<file path=customXml/item2.xml><?xml version="1.0" encoding="utf-8"?>
-<p:properties xmlns:p="http://schemas.microsoft.com/office/2006/metadata/properties" xmlns:xsi="http://www.w3.org/2001/XMLSchema-instance" xmlns:pc="http://schemas.microsoft.com/office/infopath/2007/PartnerControls">
-  <documentManagement>
-    <_activity xmlns="bdc56f61-abc0-4f7e-bfec-a93ccd1ae886" xsi:nil="true"/>
-  </documentManagement>
-</p:properties>
-</file>
-
-<file path=customXml/item3.xml><?xml version="1.0" encoding="utf-8"?>
-<?mso-contentType ?>
-<FormTemplates xmlns="http://schemas.microsoft.com/sharepoint/v3/contenttype/forms">
-  <Display>DocumentLibraryForm</Display>
-  <Edit>DocumentLibraryForm</Edit>
-  <New>DocumentLibraryForm</New>
-</FormTemplates>
-</file>
-
 <file path=customXml/itemProps1.xml><?xml version="1.0" encoding="utf-8"?>
-<ds:datastoreItem xmlns:ds="http://schemas.openxmlformats.org/officeDocument/2006/customXml" ds:itemID="{025820C3-FD82-4EFC-BF14-EAF1F9613F52}">
+<ds:datastoreItem xmlns:ds="http://schemas.openxmlformats.org/officeDocument/2006/customXml" ds:itemID="{4E8623C8-32E1-48B0-9F0A-13F2E9582B7E}">
   <ds:schemaRefs>
-    <ds:schemaRef ds:uri="http://schemas.microsoft.com/office/2006/metadata/contentType"/>
-    <ds:schemaRef ds:uri="http://schemas.microsoft.com/office/2006/metadata/properties/metaAttributes"/>
-    <ds:schemaRef ds:uri="http://www.w3.org/2001/XMLSchema"/>
-    <ds:schemaRef ds:uri="http://schemas.microsoft.com/office/2006/metadata/properties"/>
-    <ds:schemaRef ds:uri="669280c1-d17e-4d1d-bd7f-b4f14cc6bf1d"/>
-    <ds:schemaRef ds:uri="bdc56f61-abc0-4f7e-bfec-a93ccd1ae886"/>
-    <ds:schemaRef ds:uri="http://schemas.microsoft.com/office/2006/documentManagement/types"/>
-    <ds:schemaRef ds:uri="http://schemas.microsoft.com/office/infopath/2007/PartnerControls"/>
-    <ds:schemaRef ds:uri="http://schemas.openxmlformats.org/package/2006/metadata/core-properties"/>
-    <ds:schemaRef ds:uri="http://purl.org/dc/elements/1.1/"/>
-    <ds:schemaRef ds:uri="http://purl.org/dc/terms/"/>
-    <ds:schemaRef ds:uri="http://schemas.microsoft.com/internal/obd"/>
+    <ds:schemaRef ds:uri="http://schemas.microsoft.com/sharepoint/v3/contenttype/forms"/>
   </ds:schemaRefs>
 </ds:datastoreItem>
 </file>
@@ -15289,9 +15260,20 @@
 </file>
 
 <file path=customXml/itemProps3.xml><?xml version="1.0" encoding="utf-8"?>
-<ds:datastoreItem xmlns:ds="http://schemas.openxmlformats.org/officeDocument/2006/customXml" ds:itemID="{4E8623C8-32E1-48B0-9F0A-13F2E9582B7E}">
+<ds:datastoreItem xmlns:ds="http://schemas.openxmlformats.org/officeDocument/2006/customXml" ds:itemID="{025820C3-FD82-4EFC-BF14-EAF1F9613F52}">
   <ds:schemaRefs>
-    <ds:schemaRef ds:uri="http://schemas.microsoft.com/sharepoint/v3/contenttype/forms"/>
+    <ds:schemaRef ds:uri="http://schemas.microsoft.com/office/2006/metadata/contentType"/>
+    <ds:schemaRef ds:uri="http://schemas.microsoft.com/office/2006/metadata/properties/metaAttributes"/>
+    <ds:schemaRef ds:uri="http://www.w3.org/2001/XMLSchema"/>
+    <ds:schemaRef ds:uri="http://schemas.microsoft.com/office/2006/metadata/properties"/>
+    <ds:schemaRef ds:uri="669280c1-d17e-4d1d-bd7f-b4f14cc6bf1d"/>
+    <ds:schemaRef ds:uri="bdc56f61-abc0-4f7e-bfec-a93ccd1ae886"/>
+    <ds:schemaRef ds:uri="http://schemas.microsoft.com/office/2006/documentManagement/types"/>
+    <ds:schemaRef ds:uri="http://schemas.microsoft.com/office/infopath/2007/PartnerControls"/>
+    <ds:schemaRef ds:uri="http://schemas.openxmlformats.org/package/2006/metadata/core-properties"/>
+    <ds:schemaRef ds:uri="http://purl.org/dc/elements/1.1/"/>
+    <ds:schemaRef ds:uri="http://purl.org/dc/terms/"/>
+    <ds:schemaRef ds:uri="http://schemas.microsoft.com/internal/obd"/>
   </ds:schemaRefs>
 </ds:datastoreItem>
 </file>